--- a/Symmetry Code (Final)/BMES Poster 2018.pptx
+++ b/Symmetry Code (Final)/BMES Poster 2018.pptx
@@ -18,14 +18,14 @@
       <p:regular r:id="rId4"/>
     </p:embeddedFont>
     <p:embeddedFont>
-      <p:font typeface="Arial Narrow" panose="020B0606020202030204" pitchFamily="34" charset="0"/>
+      <p:font typeface="Cambria" panose="02040503050406030204" pitchFamily="18" charset="0"/>
       <p:regular r:id="rId5"/>
       <p:bold r:id="rId6"/>
       <p:italic r:id="rId7"/>
       <p:boldItalic r:id="rId8"/>
     </p:embeddedFont>
     <p:embeddedFont>
-      <p:font typeface="Cambria" panose="02040503050406030204" pitchFamily="18" charset="0"/>
+      <p:font typeface="Arial Narrow" panose="020B0606020202030204" pitchFamily="34" charset="0"/>
       <p:regular r:id="rId9"/>
       <p:bold r:id="rId10"/>
       <p:italic r:id="rId11"/>
@@ -1199,9 +1199,10 @@
         <a:p>
           <a:pPr algn="ctr"/>
           <a:r>
-            <a:rPr lang="en-US" dirty="0"/>
-            <a:t>Corresponding Region Check</a:t>
+            <a:rPr lang="en-US" dirty="0" smtClean="0"/>
+            <a:t>Corresponding-region Check</a:t>
           </a:r>
+          <a:endParaRPr lang="en-US" dirty="0"/>
         </a:p>
       </dgm:t>
     </dgm:pt>
@@ -1338,7 +1339,7 @@
         </a:p>
       </dgm:t>
     </dgm:pt>
-    <dgm:pt modelId="{61DE75B6-5A68-4DFC-8CEF-95B0F4147E7D}">
+    <dgm:pt modelId="{2A83CDA1-8A56-43B7-B41F-0CD1D4D5FC2D}">
       <dgm:prSet phldrT="[Text]"/>
       <dgm:spPr/>
       <dgm:t>
@@ -1346,50 +1347,6 @@
         <a:lstStyle/>
         <a:p>
           <a:pPr algn="l"/>
-          <a:r>
-            <a:rPr lang="en-US" dirty="0"/>
-            <a:t>Compare to opposite side</a:t>
-          </a:r>
-        </a:p>
-        <a:p>
-          <a:pPr algn="ctr"/>
-          <a:r>
-            <a:rPr lang="en-US" dirty="0"/>
-            <a:t>	</a:t>
-          </a:r>
-        </a:p>
-      </dgm:t>
-    </dgm:pt>
-    <dgm:pt modelId="{26F76666-A89E-4599-892D-2A1DB6652DEA}" type="parTrans" cxnId="{296EED90-0ABB-406B-95BC-24E75D7CA7F1}">
-      <dgm:prSet/>
-      <dgm:spPr/>
-      <dgm:t>
-        <a:bodyPr/>
-        <a:lstStyle/>
-        <a:p>
-          <a:endParaRPr lang="en-US"/>
-        </a:p>
-      </dgm:t>
-    </dgm:pt>
-    <dgm:pt modelId="{12FD8723-551F-4ED4-9CF2-675B4A84C3EF}" type="sibTrans" cxnId="{296EED90-0ABB-406B-95BC-24E75D7CA7F1}">
-      <dgm:prSet/>
-      <dgm:spPr/>
-      <dgm:t>
-        <a:bodyPr/>
-        <a:lstStyle/>
-        <a:p>
-          <a:endParaRPr lang="en-US"/>
-        </a:p>
-      </dgm:t>
-    </dgm:pt>
-    <dgm:pt modelId="{2A83CDA1-8A56-43B7-B41F-0CD1D4D5FC2D}">
-      <dgm:prSet phldrT="[Text]"/>
-      <dgm:spPr/>
-      <dgm:t>
-        <a:bodyPr/>
-        <a:lstStyle/>
-        <a:p>
-          <a:pPr algn="ctr"/>
           <a:r>
             <a:rPr lang="en-US" dirty="0"/>
             <a:t>Using DBSCAN</a:t>
@@ -1426,10 +1383,14 @@
         <a:bodyPr/>
         <a:lstStyle/>
         <a:p>
-          <a:pPr algn="ctr"/>
+          <a:pPr algn="l"/>
+          <a:r>
+            <a:rPr lang="en-US" dirty="0" smtClean="0"/>
+            <a:t>DBSCAN parameters </a:t>
+          </a:r>
           <a:r>
             <a:rPr lang="en-US" dirty="0"/>
-            <a:t>Parameters change per patient</a:t>
+            <a:t>change per patient</a:t>
           </a:r>
         </a:p>
       </dgm:t>
@@ -1493,6 +1454,51 @@
         </a:p>
       </dgm:t>
     </dgm:pt>
+    <dgm:pt modelId="{95178523-AEB1-4154-91A5-5785A68DB888}">
+      <dgm:prSet phldrT="[Text]"/>
+      <dgm:spPr/>
+      <dgm:t>
+        <a:bodyPr/>
+        <a:lstStyle/>
+        <a:p>
+          <a:pPr algn="l"/>
+          <a:r>
+            <a:rPr lang="en-US" dirty="0" smtClean="0"/>
+            <a:t>Clusters cooler than opposite side removed</a:t>
+          </a:r>
+          <a:endParaRPr lang="en-US" dirty="0"/>
+        </a:p>
+        <a:p>
+          <a:pPr algn="ctr"/>
+          <a:r>
+            <a:rPr lang="en-US" dirty="0"/>
+            <a:t>	</a:t>
+          </a:r>
+        </a:p>
+      </dgm:t>
+    </dgm:pt>
+    <dgm:pt modelId="{05A4A7BB-3164-4EE8-8561-4FD7A3290FCF}" type="parTrans" cxnId="{531AD5F1-7BFB-45E3-9583-63FBFAF396D4}">
+      <dgm:prSet/>
+      <dgm:spPr/>
+      <dgm:t>
+        <a:bodyPr/>
+        <a:lstStyle/>
+        <a:p>
+          <a:endParaRPr lang="en-US"/>
+        </a:p>
+      </dgm:t>
+    </dgm:pt>
+    <dgm:pt modelId="{FEBA8A6D-0CB9-4817-A08A-F5C85D284A77}" type="sibTrans" cxnId="{531AD5F1-7BFB-45E3-9583-63FBFAF396D4}">
+      <dgm:prSet/>
+      <dgm:spPr/>
+      <dgm:t>
+        <a:bodyPr/>
+        <a:lstStyle/>
+        <a:p>
+          <a:endParaRPr lang="en-US"/>
+        </a:p>
+      </dgm:t>
+    </dgm:pt>
     <dgm:pt modelId="{FB42CB49-1B16-46F2-AFEF-DB4C1AC9EEA4}" type="pres">
       <dgm:prSet presAssocID="{B8356FEA-4A2A-459E-A347-E43D3728C117}" presName="linearFlow" presStyleCnt="0">
         <dgm:presLayoutVars>
@@ -1500,6 +1506,13 @@
         </dgm:presLayoutVars>
       </dgm:prSet>
       <dgm:spPr/>
+      <dgm:t>
+        <a:bodyPr/>
+        <a:lstStyle/>
+        <a:p>
+          <a:endParaRPr lang="en-US"/>
+        </a:p>
+      </dgm:t>
     </dgm:pt>
     <dgm:pt modelId="{9E16B309-82B1-47E0-AD8E-9DE122C5A402}" type="pres">
       <dgm:prSet presAssocID="{98691F17-35F8-44E8-900B-1DDC25D4B1F4}" presName="node" presStyleLbl="node1" presStyleIdx="0" presStyleCnt="4">
@@ -1508,14 +1521,35 @@
         </dgm:presLayoutVars>
       </dgm:prSet>
       <dgm:spPr/>
+      <dgm:t>
+        <a:bodyPr/>
+        <a:lstStyle/>
+        <a:p>
+          <a:endParaRPr lang="en-US"/>
+        </a:p>
+      </dgm:t>
     </dgm:pt>
     <dgm:pt modelId="{6155B5B6-5646-4F59-BEA6-61677D681005}" type="pres">
       <dgm:prSet presAssocID="{FDDA3F51-6F6D-49C2-A8E2-BE7FF0D6A0DD}" presName="sibTrans" presStyleLbl="sibTrans2D1" presStyleIdx="0" presStyleCnt="3"/>
       <dgm:spPr/>
+      <dgm:t>
+        <a:bodyPr/>
+        <a:lstStyle/>
+        <a:p>
+          <a:endParaRPr lang="en-US"/>
+        </a:p>
+      </dgm:t>
     </dgm:pt>
     <dgm:pt modelId="{FA280242-89FE-453E-A8ED-4E099A8F7D09}" type="pres">
       <dgm:prSet presAssocID="{FDDA3F51-6F6D-49C2-A8E2-BE7FF0D6A0DD}" presName="connectorText" presStyleLbl="sibTrans2D1" presStyleIdx="0" presStyleCnt="3"/>
       <dgm:spPr/>
+      <dgm:t>
+        <a:bodyPr/>
+        <a:lstStyle/>
+        <a:p>
+          <a:endParaRPr lang="en-US"/>
+        </a:p>
+      </dgm:t>
     </dgm:pt>
     <dgm:pt modelId="{3D3F488D-24DD-4386-8A09-2385514BF2EC}" type="pres">
       <dgm:prSet presAssocID="{26531860-FB11-49BC-B720-088293B98994}" presName="node" presStyleLbl="node1" presStyleIdx="1" presStyleCnt="4">
@@ -1524,14 +1558,35 @@
         </dgm:presLayoutVars>
       </dgm:prSet>
       <dgm:spPr/>
+      <dgm:t>
+        <a:bodyPr/>
+        <a:lstStyle/>
+        <a:p>
+          <a:endParaRPr lang="en-US"/>
+        </a:p>
+      </dgm:t>
     </dgm:pt>
     <dgm:pt modelId="{D5FCBE0D-A5A5-4899-92D1-7B13323771AD}" type="pres">
       <dgm:prSet presAssocID="{EBD5A807-F428-4EA8-A5C6-85985CE1A618}" presName="sibTrans" presStyleLbl="sibTrans2D1" presStyleIdx="1" presStyleCnt="3"/>
       <dgm:spPr/>
+      <dgm:t>
+        <a:bodyPr/>
+        <a:lstStyle/>
+        <a:p>
+          <a:endParaRPr lang="en-US"/>
+        </a:p>
+      </dgm:t>
     </dgm:pt>
     <dgm:pt modelId="{75A892EF-2194-48C7-A3DC-019F82A06ED3}" type="pres">
       <dgm:prSet presAssocID="{EBD5A807-F428-4EA8-A5C6-85985CE1A618}" presName="connectorText" presStyleLbl="sibTrans2D1" presStyleIdx="1" presStyleCnt="3"/>
       <dgm:spPr/>
+      <dgm:t>
+        <a:bodyPr/>
+        <a:lstStyle/>
+        <a:p>
+          <a:endParaRPr lang="en-US"/>
+        </a:p>
+      </dgm:t>
     </dgm:pt>
     <dgm:pt modelId="{BB2C1B6E-2882-4434-87EE-C0DAE6AEF58D}" type="pres">
       <dgm:prSet presAssocID="{6954B643-33DF-447C-8558-A449FF5ECE31}" presName="node" presStyleLbl="node1" presStyleIdx="2" presStyleCnt="4">
@@ -1540,14 +1595,35 @@
         </dgm:presLayoutVars>
       </dgm:prSet>
       <dgm:spPr/>
+      <dgm:t>
+        <a:bodyPr/>
+        <a:lstStyle/>
+        <a:p>
+          <a:endParaRPr lang="en-US"/>
+        </a:p>
+      </dgm:t>
     </dgm:pt>
     <dgm:pt modelId="{5DB5D052-614C-4574-8DAD-8D4CE01E8AB2}" type="pres">
       <dgm:prSet presAssocID="{252508F8-8899-472D-9B17-3C8BCD4B04E0}" presName="sibTrans" presStyleLbl="sibTrans2D1" presStyleIdx="2" presStyleCnt="3"/>
       <dgm:spPr/>
+      <dgm:t>
+        <a:bodyPr/>
+        <a:lstStyle/>
+        <a:p>
+          <a:endParaRPr lang="en-US"/>
+        </a:p>
+      </dgm:t>
     </dgm:pt>
     <dgm:pt modelId="{FF7EF980-260C-4320-B122-233C9D7128B8}" type="pres">
       <dgm:prSet presAssocID="{252508F8-8899-472D-9B17-3C8BCD4B04E0}" presName="connectorText" presStyleLbl="sibTrans2D1" presStyleIdx="2" presStyleCnt="3"/>
       <dgm:spPr/>
+      <dgm:t>
+        <a:bodyPr/>
+        <a:lstStyle/>
+        <a:p>
+          <a:endParaRPr lang="en-US"/>
+        </a:p>
+      </dgm:t>
     </dgm:pt>
     <dgm:pt modelId="{22D2E7F1-A6CB-44A3-917A-F96B3A8FD51C}" type="pres">
       <dgm:prSet presAssocID="{B5EF94FF-341D-4E89-A6A7-2E0B9F909D82}" presName="node" presStyleLbl="node1" presStyleIdx="3" presStyleCnt="4" custLinFactNeighborX="-273" custLinFactNeighborY="47745">
@@ -1556,40 +1632,47 @@
         </dgm:presLayoutVars>
       </dgm:prSet>
       <dgm:spPr/>
+      <dgm:t>
+        <a:bodyPr/>
+        <a:lstStyle/>
+        <a:p>
+          <a:endParaRPr lang="en-US"/>
+        </a:p>
+      </dgm:t>
     </dgm:pt>
   </dgm:ptLst>
   <dgm:cxnLst>
+    <dgm:cxn modelId="{895C3E7B-AC66-4E1E-A8C2-23646588CC48}" type="presOf" srcId="{FDDA3F51-6F6D-49C2-A8E2-BE7FF0D6A0DD}" destId="{6155B5B6-5646-4F59-BEA6-61677D681005}" srcOrd="0" destOrd="0" presId="urn:microsoft.com/office/officeart/2005/8/layout/process2"/>
+    <dgm:cxn modelId="{41812B75-B220-487D-AE53-813A17ABDA4C}" srcId="{B8356FEA-4A2A-459E-A347-E43D3728C117}" destId="{26531860-FB11-49BC-B720-088293B98994}" srcOrd="1" destOrd="0" parTransId="{C41BB8B2-0D8A-4165-9A0A-5481D206A266}" sibTransId="{EBD5A807-F428-4EA8-A5C6-85985CE1A618}"/>
+    <dgm:cxn modelId="{991740E2-627A-48A6-8047-A656C177D530}" srcId="{26531860-FB11-49BC-B720-088293B98994}" destId="{3AA23029-D2A0-4C75-A8A0-03DD4DA06CFF}" srcOrd="2" destOrd="0" parTransId="{6B47B068-216E-4402-98B1-75F73417F523}" sibTransId="{1060E2B8-1C5B-48FD-8099-CA6F8971ACDF}"/>
+    <dgm:cxn modelId="{5EA39293-6A39-47C9-BEB2-ECB7EF97D412}" type="presOf" srcId="{252508F8-8899-472D-9B17-3C8BCD4B04E0}" destId="{5DB5D052-614C-4574-8DAD-8D4CE01E8AB2}" srcOrd="0" destOrd="0" presId="urn:microsoft.com/office/officeart/2005/8/layout/process2"/>
+    <dgm:cxn modelId="{E491B0BE-77DE-40F2-9E5B-85B40D122434}" type="presOf" srcId="{3AA23029-D2A0-4C75-A8A0-03DD4DA06CFF}" destId="{3D3F488D-24DD-4386-8A09-2385514BF2EC}" srcOrd="0" destOrd="3" presId="urn:microsoft.com/office/officeart/2005/8/layout/process2"/>
+    <dgm:cxn modelId="{3CCC06FC-51F4-46E1-8F97-DB386B9E1462}" srcId="{6954B643-33DF-447C-8558-A449FF5ECE31}" destId="{E80CA02D-8FA8-4EC5-ADD0-63CF79DD7464}" srcOrd="0" destOrd="0" parTransId="{23747E08-AD84-4ED9-9DDA-7B28A27B5827}" sibTransId="{42978A0B-2F4C-443C-AA1B-686323760442}"/>
+    <dgm:cxn modelId="{EFB51C5D-DC4A-4AED-BCAD-64977BA98640}" type="presOf" srcId="{95178523-AEB1-4154-91A5-5785A68DB888}" destId="{22D2E7F1-A6CB-44A3-917A-F96B3A8FD51C}" srcOrd="0" destOrd="1" presId="urn:microsoft.com/office/officeart/2005/8/layout/process2"/>
+    <dgm:cxn modelId="{5BC0FBA6-8EB6-4F62-A4D8-87E546A4A63C}" type="presOf" srcId="{9D73ED50-1821-4C88-933B-5D90ACA576F1}" destId="{BB2C1B6E-2882-4434-87EE-C0DAE6AEF58D}" srcOrd="0" destOrd="2" presId="urn:microsoft.com/office/officeart/2005/8/layout/process2"/>
+    <dgm:cxn modelId="{7F10F294-9E4C-4CC7-9068-BAA423A8DCC9}" type="presOf" srcId="{26531860-FB11-49BC-B720-088293B98994}" destId="{3D3F488D-24DD-4386-8A09-2385514BF2EC}" srcOrd="0" destOrd="0" presId="urn:microsoft.com/office/officeart/2005/8/layout/process2"/>
+    <dgm:cxn modelId="{2485B745-0B95-4D4E-A071-1C9EBB130BAC}" srcId="{6954B643-33DF-447C-8558-A449FF5ECE31}" destId="{9D73ED50-1821-4C88-933B-5D90ACA576F1}" srcOrd="1" destOrd="0" parTransId="{0D5CEB99-5D7B-4940-ACC3-6E56E677A5CF}" sibTransId="{2671CBBE-969B-4F04-A8E5-FE584E873AAA}"/>
+    <dgm:cxn modelId="{98996E9A-D087-4D38-9194-58DDD0296040}" srcId="{B8356FEA-4A2A-459E-A347-E43D3728C117}" destId="{6954B643-33DF-447C-8558-A449FF5ECE31}" srcOrd="2" destOrd="0" parTransId="{396F904F-EDD1-47EB-9A1D-2FC972C64336}" sibTransId="{252508F8-8899-472D-9B17-3C8BCD4B04E0}"/>
     <dgm:cxn modelId="{9EE4350A-3B4E-48D6-B8BA-2247F11BC763}" srcId="{26531860-FB11-49BC-B720-088293B98994}" destId="{38B124B2-B757-406E-A823-A76D64D9B1DE}" srcOrd="1" destOrd="0" parTransId="{0E49F1A1-090D-4F2F-B916-510CD27D7E8C}" sibTransId="{20ECBAEC-A483-4A92-BE4F-BE18D9E3B965}"/>
     <dgm:cxn modelId="{80012F1B-C482-4893-9AF9-53B5DA8C9D62}" type="presOf" srcId="{2A83CDA1-8A56-43B7-B41F-0CD1D4D5FC2D}" destId="{9E16B309-82B1-47E0-AD8E-9DE122C5A402}" srcOrd="0" destOrd="1" presId="urn:microsoft.com/office/officeart/2005/8/layout/process2"/>
+    <dgm:cxn modelId="{531AD5F1-7BFB-45E3-9583-63FBFAF396D4}" srcId="{B5EF94FF-341D-4E89-A6A7-2E0B9F909D82}" destId="{95178523-AEB1-4154-91A5-5785A68DB888}" srcOrd="0" destOrd="0" parTransId="{05A4A7BB-3164-4EE8-8561-4FD7A3290FCF}" sibTransId="{FEBA8A6D-0CB9-4817-A08A-F5C85D284A77}"/>
+    <dgm:cxn modelId="{345D49D7-F0BC-45AA-A4D8-C4505DB7C40B}" srcId="{98691F17-35F8-44E8-900B-1DDC25D4B1F4}" destId="{2A83CDA1-8A56-43B7-B41F-0CD1D4D5FC2D}" srcOrd="0" destOrd="0" parTransId="{507FC018-AC22-4FDE-A890-99C69490C860}" sibTransId="{4299A1DA-9F5B-4B51-995D-2C246F4DA0B2}"/>
+    <dgm:cxn modelId="{F015F0E8-FF73-4F36-BB03-200EB8468FE5}" type="presOf" srcId="{38B124B2-B757-406E-A823-A76D64D9B1DE}" destId="{3D3F488D-24DD-4386-8A09-2385514BF2EC}" srcOrd="0" destOrd="2" presId="urn:microsoft.com/office/officeart/2005/8/layout/process2"/>
+    <dgm:cxn modelId="{9063B241-A958-4861-807F-91496A300F54}" type="presOf" srcId="{98691F17-35F8-44E8-900B-1DDC25D4B1F4}" destId="{9E16B309-82B1-47E0-AD8E-9DE122C5A402}" srcOrd="0" destOrd="0" presId="urn:microsoft.com/office/officeart/2005/8/layout/process2"/>
+    <dgm:cxn modelId="{9832E5CD-2E41-49C6-B514-8AF783307C40}" type="presOf" srcId="{EBD5A807-F428-4EA8-A5C6-85985CE1A618}" destId="{D5FCBE0D-A5A5-4899-92D1-7B13323771AD}" srcOrd="0" destOrd="0" presId="urn:microsoft.com/office/officeart/2005/8/layout/process2"/>
+    <dgm:cxn modelId="{92714FC3-2D47-4F97-BADC-642B967FF709}" srcId="{26531860-FB11-49BC-B720-088293B98994}" destId="{52518E36-4D00-45E1-A9D8-A29E4184EC3C}" srcOrd="0" destOrd="0" parTransId="{F8C973DE-BBA9-4BC6-A5EC-AF301E9D57D9}" sibTransId="{40F8E6F6-D15F-48C2-8E13-65218CC075D1}"/>
+    <dgm:cxn modelId="{4B5E9074-F10D-46AA-AA57-40B878412614}" srcId="{B8356FEA-4A2A-459E-A347-E43D3728C117}" destId="{98691F17-35F8-44E8-900B-1DDC25D4B1F4}" srcOrd="0" destOrd="0" parTransId="{DA2A1482-109E-45DC-93CC-891296036AE8}" sibTransId="{FDDA3F51-6F6D-49C2-A8E2-BE7FF0D6A0DD}"/>
+    <dgm:cxn modelId="{872A2F4F-FEF6-458D-AF91-2E7999A3292D}" type="presOf" srcId="{52518E36-4D00-45E1-A9D8-A29E4184EC3C}" destId="{3D3F488D-24DD-4386-8A09-2385514BF2EC}" srcOrd="0" destOrd="1" presId="urn:microsoft.com/office/officeart/2005/8/layout/process2"/>
     <dgm:cxn modelId="{9B9F0B24-F36F-4D82-B996-8F6BEBE4538D}" type="presOf" srcId="{252508F8-8899-472D-9B17-3C8BCD4B04E0}" destId="{FF7EF980-260C-4320-B122-233C9D7128B8}" srcOrd="1" destOrd="0" presId="urn:microsoft.com/office/officeart/2005/8/layout/process2"/>
+    <dgm:cxn modelId="{7A61A97E-4D87-4E08-B545-542BDD23D4E3}" type="presOf" srcId="{D3B46ABE-0606-4225-82CD-A45DC8E12F30}" destId="{9E16B309-82B1-47E0-AD8E-9DE122C5A402}" srcOrd="0" destOrd="2" presId="urn:microsoft.com/office/officeart/2005/8/layout/process2"/>
+    <dgm:cxn modelId="{9229E2C7-A0F7-4531-92A9-4BFA6E30B7B2}" type="presOf" srcId="{EBD5A807-F428-4EA8-A5C6-85985CE1A618}" destId="{75A892EF-2194-48C7-A3DC-019F82A06ED3}" srcOrd="1" destOrd="0" presId="urn:microsoft.com/office/officeart/2005/8/layout/process2"/>
+    <dgm:cxn modelId="{F3D70341-27B3-4188-AC12-B724BC85AD56}" type="presOf" srcId="{6954B643-33DF-447C-8558-A449FF5ECE31}" destId="{BB2C1B6E-2882-4434-87EE-C0DAE6AEF58D}" srcOrd="0" destOrd="0" presId="urn:microsoft.com/office/officeart/2005/8/layout/process2"/>
     <dgm:cxn modelId="{0EA9B63B-51B0-4619-A71E-4FCCE879B26A}" srcId="{98691F17-35F8-44E8-900B-1DDC25D4B1F4}" destId="{D3B46ABE-0606-4225-82CD-A45DC8E12F30}" srcOrd="1" destOrd="0" parTransId="{98909467-4440-444C-9025-D80536FDC2B2}" sibTransId="{2BE32D92-7631-4CA8-9C97-6A47D47DAFEB}"/>
+    <dgm:cxn modelId="{CC3C36B2-8F07-46C6-AEB5-93069D64D1E7}" type="presOf" srcId="{FDDA3F51-6F6D-49C2-A8E2-BE7FF0D6A0DD}" destId="{FA280242-89FE-453E-A8ED-4E099A8F7D09}" srcOrd="1" destOrd="0" presId="urn:microsoft.com/office/officeart/2005/8/layout/process2"/>
+    <dgm:cxn modelId="{C1472790-A587-4279-AC47-5C182BF2E50D}" type="presOf" srcId="{E80CA02D-8FA8-4EC5-ADD0-63CF79DD7464}" destId="{BB2C1B6E-2882-4434-87EE-C0DAE6AEF58D}" srcOrd="0" destOrd="1" presId="urn:microsoft.com/office/officeart/2005/8/layout/process2"/>
+    <dgm:cxn modelId="{7FA683E6-CB5D-4783-A7E7-0118C07B0D39}" type="presOf" srcId="{B8356FEA-4A2A-459E-A347-E43D3728C117}" destId="{FB42CB49-1B16-46F2-AFEF-DB4C1AC9EEA4}" srcOrd="0" destOrd="0" presId="urn:microsoft.com/office/officeart/2005/8/layout/process2"/>
+    <dgm:cxn modelId="{386DF1BC-67D7-4600-8C45-85846DEA2108}" type="presOf" srcId="{B5EF94FF-341D-4E89-A6A7-2E0B9F909D82}" destId="{22D2E7F1-A6CB-44A3-917A-F96B3A8FD51C}" srcOrd="0" destOrd="0" presId="urn:microsoft.com/office/officeart/2005/8/layout/process2"/>
     <dgm:cxn modelId="{EA941A5E-2A6A-49A3-86C8-442C110AB4A3}" srcId="{B8356FEA-4A2A-459E-A347-E43D3728C117}" destId="{B5EF94FF-341D-4E89-A6A7-2E0B9F909D82}" srcOrd="3" destOrd="0" parTransId="{B85A5487-86CC-412C-8B11-3412D9C1EC55}" sibTransId="{E49F3CD7-33A8-40F8-87A7-8659446D843A}"/>
-    <dgm:cxn modelId="{F3D70341-27B3-4188-AC12-B724BC85AD56}" type="presOf" srcId="{6954B643-33DF-447C-8558-A449FF5ECE31}" destId="{BB2C1B6E-2882-4434-87EE-C0DAE6AEF58D}" srcOrd="0" destOrd="0" presId="urn:microsoft.com/office/officeart/2005/8/layout/process2"/>
-    <dgm:cxn modelId="{9063B241-A958-4861-807F-91496A300F54}" type="presOf" srcId="{98691F17-35F8-44E8-900B-1DDC25D4B1F4}" destId="{9E16B309-82B1-47E0-AD8E-9DE122C5A402}" srcOrd="0" destOrd="0" presId="urn:microsoft.com/office/officeart/2005/8/layout/process2"/>
-    <dgm:cxn modelId="{2485B745-0B95-4D4E-A071-1C9EBB130BAC}" srcId="{6954B643-33DF-447C-8558-A449FF5ECE31}" destId="{9D73ED50-1821-4C88-933B-5D90ACA576F1}" srcOrd="1" destOrd="0" parTransId="{0D5CEB99-5D7B-4940-ACC3-6E56E677A5CF}" sibTransId="{2671CBBE-969B-4F04-A8E5-FE584E873AAA}"/>
-    <dgm:cxn modelId="{872A2F4F-FEF6-458D-AF91-2E7999A3292D}" type="presOf" srcId="{52518E36-4D00-45E1-A9D8-A29E4184EC3C}" destId="{3D3F488D-24DD-4386-8A09-2385514BF2EC}" srcOrd="0" destOrd="1" presId="urn:microsoft.com/office/officeart/2005/8/layout/process2"/>
-    <dgm:cxn modelId="{4B5E9074-F10D-46AA-AA57-40B878412614}" srcId="{B8356FEA-4A2A-459E-A347-E43D3728C117}" destId="{98691F17-35F8-44E8-900B-1DDC25D4B1F4}" srcOrd="0" destOrd="0" parTransId="{DA2A1482-109E-45DC-93CC-891296036AE8}" sibTransId="{FDDA3F51-6F6D-49C2-A8E2-BE7FF0D6A0DD}"/>
-    <dgm:cxn modelId="{41812B75-B220-487D-AE53-813A17ABDA4C}" srcId="{B8356FEA-4A2A-459E-A347-E43D3728C117}" destId="{26531860-FB11-49BC-B720-088293B98994}" srcOrd="1" destOrd="0" parTransId="{C41BB8B2-0D8A-4165-9A0A-5481D206A266}" sibTransId="{EBD5A807-F428-4EA8-A5C6-85985CE1A618}"/>
-    <dgm:cxn modelId="{895C3E7B-AC66-4E1E-A8C2-23646588CC48}" type="presOf" srcId="{FDDA3F51-6F6D-49C2-A8E2-BE7FF0D6A0DD}" destId="{6155B5B6-5646-4F59-BEA6-61677D681005}" srcOrd="0" destOrd="0" presId="urn:microsoft.com/office/officeart/2005/8/layout/process2"/>
-    <dgm:cxn modelId="{7A61A97E-4D87-4E08-B545-542BDD23D4E3}" type="presOf" srcId="{D3B46ABE-0606-4225-82CD-A45DC8E12F30}" destId="{9E16B309-82B1-47E0-AD8E-9DE122C5A402}" srcOrd="0" destOrd="2" presId="urn:microsoft.com/office/officeart/2005/8/layout/process2"/>
-    <dgm:cxn modelId="{C1472790-A587-4279-AC47-5C182BF2E50D}" type="presOf" srcId="{E80CA02D-8FA8-4EC5-ADD0-63CF79DD7464}" destId="{BB2C1B6E-2882-4434-87EE-C0DAE6AEF58D}" srcOrd="0" destOrd="1" presId="urn:microsoft.com/office/officeart/2005/8/layout/process2"/>
-    <dgm:cxn modelId="{296EED90-0ABB-406B-95BC-24E75D7CA7F1}" srcId="{B5EF94FF-341D-4E89-A6A7-2E0B9F909D82}" destId="{61DE75B6-5A68-4DFC-8CEF-95B0F4147E7D}" srcOrd="0" destOrd="0" parTransId="{26F76666-A89E-4599-892D-2A1DB6652DEA}" sibTransId="{12FD8723-551F-4ED4-9CF2-675B4A84C3EF}"/>
-    <dgm:cxn modelId="{5EA39293-6A39-47C9-BEB2-ECB7EF97D412}" type="presOf" srcId="{252508F8-8899-472D-9B17-3C8BCD4B04E0}" destId="{5DB5D052-614C-4574-8DAD-8D4CE01E8AB2}" srcOrd="0" destOrd="0" presId="urn:microsoft.com/office/officeart/2005/8/layout/process2"/>
-    <dgm:cxn modelId="{7F10F294-9E4C-4CC7-9068-BAA423A8DCC9}" type="presOf" srcId="{26531860-FB11-49BC-B720-088293B98994}" destId="{3D3F488D-24DD-4386-8A09-2385514BF2EC}" srcOrd="0" destOrd="0" presId="urn:microsoft.com/office/officeart/2005/8/layout/process2"/>
-    <dgm:cxn modelId="{98996E9A-D087-4D38-9194-58DDD0296040}" srcId="{B8356FEA-4A2A-459E-A347-E43D3728C117}" destId="{6954B643-33DF-447C-8558-A449FF5ECE31}" srcOrd="2" destOrd="0" parTransId="{396F904F-EDD1-47EB-9A1D-2FC972C64336}" sibTransId="{252508F8-8899-472D-9B17-3C8BCD4B04E0}"/>
-    <dgm:cxn modelId="{5BC0FBA6-8EB6-4F62-A4D8-87E546A4A63C}" type="presOf" srcId="{9D73ED50-1821-4C88-933B-5D90ACA576F1}" destId="{BB2C1B6E-2882-4434-87EE-C0DAE6AEF58D}" srcOrd="0" destOrd="2" presId="urn:microsoft.com/office/officeart/2005/8/layout/process2"/>
-    <dgm:cxn modelId="{CC3C36B2-8F07-46C6-AEB5-93069D64D1E7}" type="presOf" srcId="{FDDA3F51-6F6D-49C2-A8E2-BE7FF0D6A0DD}" destId="{FA280242-89FE-453E-A8ED-4E099A8F7D09}" srcOrd="1" destOrd="0" presId="urn:microsoft.com/office/officeart/2005/8/layout/process2"/>
-    <dgm:cxn modelId="{386DF1BC-67D7-4600-8C45-85846DEA2108}" type="presOf" srcId="{B5EF94FF-341D-4E89-A6A7-2E0B9F909D82}" destId="{22D2E7F1-A6CB-44A3-917A-F96B3A8FD51C}" srcOrd="0" destOrd="0" presId="urn:microsoft.com/office/officeart/2005/8/layout/process2"/>
-    <dgm:cxn modelId="{E491B0BE-77DE-40F2-9E5B-85B40D122434}" type="presOf" srcId="{3AA23029-D2A0-4C75-A8A0-03DD4DA06CFF}" destId="{3D3F488D-24DD-4386-8A09-2385514BF2EC}" srcOrd="0" destOrd="3" presId="urn:microsoft.com/office/officeart/2005/8/layout/process2"/>
-    <dgm:cxn modelId="{92714FC3-2D47-4F97-BADC-642B967FF709}" srcId="{26531860-FB11-49BC-B720-088293B98994}" destId="{52518E36-4D00-45E1-A9D8-A29E4184EC3C}" srcOrd="0" destOrd="0" parTransId="{F8C973DE-BBA9-4BC6-A5EC-AF301E9D57D9}" sibTransId="{40F8E6F6-D15F-48C2-8E13-65218CC075D1}"/>
-    <dgm:cxn modelId="{9229E2C7-A0F7-4531-92A9-4BFA6E30B7B2}" type="presOf" srcId="{EBD5A807-F428-4EA8-A5C6-85985CE1A618}" destId="{75A892EF-2194-48C7-A3DC-019F82A06ED3}" srcOrd="1" destOrd="0" presId="urn:microsoft.com/office/officeart/2005/8/layout/process2"/>
-    <dgm:cxn modelId="{9832E5CD-2E41-49C6-B514-8AF783307C40}" type="presOf" srcId="{EBD5A807-F428-4EA8-A5C6-85985CE1A618}" destId="{D5FCBE0D-A5A5-4899-92D1-7B13323771AD}" srcOrd="0" destOrd="0" presId="urn:microsoft.com/office/officeart/2005/8/layout/process2"/>
-    <dgm:cxn modelId="{4D0B2FD1-B4BA-422D-8AA1-F009D55CF1C1}" type="presOf" srcId="{61DE75B6-5A68-4DFC-8CEF-95B0F4147E7D}" destId="{22D2E7F1-A6CB-44A3-917A-F96B3A8FD51C}" srcOrd="0" destOrd="1" presId="urn:microsoft.com/office/officeart/2005/8/layout/process2"/>
-    <dgm:cxn modelId="{345D49D7-F0BC-45AA-A4D8-C4505DB7C40B}" srcId="{98691F17-35F8-44E8-900B-1DDC25D4B1F4}" destId="{2A83CDA1-8A56-43B7-B41F-0CD1D4D5FC2D}" srcOrd="0" destOrd="0" parTransId="{507FC018-AC22-4FDE-A890-99C69490C860}" sibTransId="{4299A1DA-9F5B-4B51-995D-2C246F4DA0B2}"/>
-    <dgm:cxn modelId="{991740E2-627A-48A6-8047-A656C177D530}" srcId="{26531860-FB11-49BC-B720-088293B98994}" destId="{3AA23029-D2A0-4C75-A8A0-03DD4DA06CFF}" srcOrd="2" destOrd="0" parTransId="{6B47B068-216E-4402-98B1-75F73417F523}" sibTransId="{1060E2B8-1C5B-48FD-8099-CA6F8971ACDF}"/>
-    <dgm:cxn modelId="{7FA683E6-CB5D-4783-A7E7-0118C07B0D39}" type="presOf" srcId="{B8356FEA-4A2A-459E-A347-E43D3728C117}" destId="{FB42CB49-1B16-46F2-AFEF-DB4C1AC9EEA4}" srcOrd="0" destOrd="0" presId="urn:microsoft.com/office/officeart/2005/8/layout/process2"/>
-    <dgm:cxn modelId="{F015F0E8-FF73-4F36-BB03-200EB8468FE5}" type="presOf" srcId="{38B124B2-B757-406E-A823-A76D64D9B1DE}" destId="{3D3F488D-24DD-4386-8A09-2385514BF2EC}" srcOrd="0" destOrd="2" presId="urn:microsoft.com/office/officeart/2005/8/layout/process2"/>
-    <dgm:cxn modelId="{3CCC06FC-51F4-46E1-8F97-DB386B9E1462}" srcId="{6954B643-33DF-447C-8558-A449FF5ECE31}" destId="{E80CA02D-8FA8-4EC5-ADD0-63CF79DD7464}" srcOrd="0" destOrd="0" parTransId="{23747E08-AD84-4ED9-9DDA-7B28A27B5827}" sibTransId="{42978A0B-2F4C-443C-AA1B-686323760442}"/>
     <dgm:cxn modelId="{31111430-B06E-4AA3-9A74-9FB82E1A989F}" type="presParOf" srcId="{FB42CB49-1B16-46F2-AFEF-DB4C1AC9EEA4}" destId="{9E16B309-82B1-47E0-AD8E-9DE122C5A402}" srcOrd="0" destOrd="0" presId="urn:microsoft.com/office/officeart/2005/8/layout/process2"/>
     <dgm:cxn modelId="{D23D4768-2714-42F6-A9C5-A73CE76385F3}" type="presParOf" srcId="{FB42CB49-1B16-46F2-AFEF-DB4C1AC9EEA4}" destId="{6155B5B6-5646-4F59-BEA6-61677D681005}" srcOrd="1" destOrd="0" presId="urn:microsoft.com/office/officeart/2005/8/layout/process2"/>
     <dgm:cxn modelId="{681FBC0D-3A61-456D-8917-3CD3242B0E0C}" type="presParOf" srcId="{6155B5B6-5646-4F59-BEA6-61677D681005}" destId="{FA280242-89FE-453E-A8ED-4E099A8F7D09}" srcOrd="0" destOrd="0" presId="urn:microsoft.com/office/officeart/2005/8/layout/process2"/>
@@ -1677,12 +1760,12 @@
         </a:fontRef>
       </dsp:style>
       <dsp:txBody>
-        <a:bodyPr spcFirstLastPara="0" vert="horz" wrap="square" lIns="140970" tIns="140970" rIns="140970" bIns="140970" numCol="1" spcCol="1270" anchor="ctr" anchorCtr="0">
+        <a:bodyPr spcFirstLastPara="0" vert="horz" wrap="square" lIns="137160" tIns="137160" rIns="137160" bIns="137160" numCol="1" spcCol="1270" anchor="ctr" anchorCtr="0">
           <a:noAutofit/>
         </a:bodyPr>
         <a:lstStyle/>
         <a:p>
-          <a:pPr marL="0" lvl="0" indent="0" algn="ctr" defTabSz="1644650">
+          <a:pPr lvl="0" algn="ctr" defTabSz="1600200">
             <a:lnSpc>
               <a:spcPct val="90000"/>
             </a:lnSpc>
@@ -1692,15 +1775,14 @@
             <a:spcAft>
               <a:spcPct val="35000"/>
             </a:spcAft>
-            <a:buNone/>
           </a:pPr>
           <a:r>
-            <a:rPr lang="en-US" sz="3700" kern="1200" dirty="0"/>
+            <a:rPr lang="en-US" sz="3600" kern="1200" dirty="0"/>
             <a:t>Initial Clustering</a:t>
           </a:r>
         </a:p>
         <a:p>
-          <a:pPr marL="285750" lvl="1" indent="-285750" algn="ctr" defTabSz="1289050">
+          <a:pPr marL="285750" lvl="1" indent="-285750" algn="l" defTabSz="1244600">
             <a:lnSpc>
               <a:spcPct val="90000"/>
             </a:lnSpc>
@@ -1710,15 +1792,15 @@
             <a:spcAft>
               <a:spcPct val="15000"/>
             </a:spcAft>
-            <a:buChar char="•"/>
+            <a:buChar char="••"/>
           </a:pPr>
           <a:r>
-            <a:rPr lang="en-US" sz="2900" kern="1200" dirty="0"/>
+            <a:rPr lang="en-US" sz="2800" kern="1200" dirty="0"/>
             <a:t>Using DBSCAN</a:t>
           </a:r>
         </a:p>
         <a:p>
-          <a:pPr marL="285750" lvl="1" indent="-285750" algn="ctr" defTabSz="1289050">
+          <a:pPr marL="285750" lvl="1" indent="-285750" algn="l" defTabSz="1244600">
             <a:lnSpc>
               <a:spcPct val="90000"/>
             </a:lnSpc>
@@ -1728,11 +1810,15 @@
             <a:spcAft>
               <a:spcPct val="15000"/>
             </a:spcAft>
-            <a:buChar char="•"/>
+            <a:buChar char="••"/>
           </a:pPr>
           <a:r>
-            <a:rPr lang="en-US" sz="2900" kern="1200" dirty="0"/>
-            <a:t>Parameters change per patient</a:t>
+            <a:rPr lang="en-US" sz="2800" kern="1200" dirty="0" smtClean="0"/>
+            <a:t>DBSCAN parameters </a:t>
+          </a:r>
+          <a:r>
+            <a:rPr lang="en-US" sz="2800" kern="1200" dirty="0"/>
+            <a:t>change per patient</a:t>
           </a:r>
         </a:p>
       </dsp:txBody>
@@ -1797,7 +1883,7 @@
         </a:bodyPr>
         <a:lstStyle/>
         <a:p>
-          <a:pPr marL="0" lvl="0" indent="0" algn="ctr" defTabSz="1333500">
+          <a:pPr lvl="0" algn="ctr" defTabSz="1289050">
             <a:lnSpc>
               <a:spcPct val="90000"/>
             </a:lnSpc>
@@ -1807,9 +1893,8 @@
             <a:spcAft>
               <a:spcPct val="35000"/>
             </a:spcAft>
-            <a:buNone/>
           </a:pPr>
-          <a:endParaRPr lang="en-US" sz="3000" kern="1200"/>
+          <a:endParaRPr lang="en-US" sz="2900" kern="1200"/>
         </a:p>
       </dsp:txBody>
       <dsp:txXfrm rot="-5400000">
@@ -1875,12 +1960,12 @@
         </a:fontRef>
       </dsp:style>
       <dsp:txBody>
-        <a:bodyPr spcFirstLastPara="0" vert="horz" wrap="square" lIns="140970" tIns="140970" rIns="140970" bIns="140970" numCol="1" spcCol="1270" anchor="ctr" anchorCtr="0">
+        <a:bodyPr spcFirstLastPara="0" vert="horz" wrap="square" lIns="137160" tIns="137160" rIns="137160" bIns="137160" numCol="1" spcCol="1270" anchor="ctr" anchorCtr="0">
           <a:noAutofit/>
         </a:bodyPr>
         <a:lstStyle/>
         <a:p>
-          <a:pPr marL="0" lvl="0" indent="0" algn="ctr" defTabSz="1644650">
+          <a:pPr lvl="0" algn="ctr" defTabSz="1600200">
             <a:lnSpc>
               <a:spcPct val="90000"/>
             </a:lnSpc>
@@ -1890,15 +1975,14 @@
             <a:spcAft>
               <a:spcPct val="35000"/>
             </a:spcAft>
-            <a:buNone/>
           </a:pPr>
           <a:r>
-            <a:rPr lang="en-US" sz="3700" kern="1200" dirty="0"/>
+            <a:rPr lang="en-US" sz="3600" kern="1200" dirty="0"/>
             <a:t>Spatial Checks</a:t>
           </a:r>
         </a:p>
         <a:p>
-          <a:pPr marL="285750" lvl="1" indent="-285750" algn="l" defTabSz="1289050">
+          <a:pPr marL="285750" lvl="1" indent="-285750" algn="l" defTabSz="1244600">
             <a:lnSpc>
               <a:spcPct val="90000"/>
             </a:lnSpc>
@@ -1908,15 +1992,15 @@
             <a:spcAft>
               <a:spcPct val="15000"/>
             </a:spcAft>
-            <a:buChar char="•"/>
+            <a:buChar char="••"/>
           </a:pPr>
           <a:r>
-            <a:rPr lang="en-US" sz="2900" kern="1200" dirty="0"/>
+            <a:rPr lang="en-US" sz="2800" kern="1200" dirty="0"/>
             <a:t>Small Clusters</a:t>
           </a:r>
         </a:p>
         <a:p>
-          <a:pPr marL="285750" lvl="1" indent="-285750" algn="l" defTabSz="1289050">
+          <a:pPr marL="285750" lvl="1" indent="-285750" algn="l" defTabSz="1244600">
             <a:lnSpc>
               <a:spcPct val="90000"/>
             </a:lnSpc>
@@ -1926,15 +2010,15 @@
             <a:spcAft>
               <a:spcPct val="15000"/>
             </a:spcAft>
-            <a:buChar char="•"/>
+            <a:buChar char="••"/>
           </a:pPr>
           <a:r>
-            <a:rPr lang="en-US" sz="2900" kern="1200" dirty="0"/>
+            <a:rPr lang="en-US" sz="2800" kern="1200" dirty="0"/>
             <a:t>Large Clusters</a:t>
           </a:r>
         </a:p>
         <a:p>
-          <a:pPr marL="285750" lvl="1" indent="-285750" algn="l" defTabSz="1289050">
+          <a:pPr marL="285750" lvl="1" indent="-285750" algn="l" defTabSz="1244600">
             <a:lnSpc>
               <a:spcPct val="90000"/>
             </a:lnSpc>
@@ -1944,10 +2028,10 @@
             <a:spcAft>
               <a:spcPct val="15000"/>
             </a:spcAft>
-            <a:buChar char="•"/>
+            <a:buChar char="••"/>
           </a:pPr>
           <a:r>
-            <a:rPr lang="en-US" sz="2900" kern="1200" dirty="0"/>
+            <a:rPr lang="en-US" sz="2800" kern="1200" dirty="0"/>
             <a:t>Long/Narrow Clusters</a:t>
           </a:r>
         </a:p>
@@ -2013,7 +2097,7 @@
         </a:bodyPr>
         <a:lstStyle/>
         <a:p>
-          <a:pPr marL="0" lvl="0" indent="0" algn="ctr" defTabSz="1333500">
+          <a:pPr lvl="0" algn="ctr" defTabSz="1289050">
             <a:lnSpc>
               <a:spcPct val="90000"/>
             </a:lnSpc>
@@ -2023,9 +2107,8 @@
             <a:spcAft>
               <a:spcPct val="35000"/>
             </a:spcAft>
-            <a:buNone/>
           </a:pPr>
-          <a:endParaRPr lang="en-US" sz="3000" kern="1200"/>
+          <a:endParaRPr lang="en-US" sz="2900" kern="1200"/>
         </a:p>
       </dsp:txBody>
       <dsp:txXfrm rot="-5400000">
@@ -2091,12 +2174,12 @@
         </a:fontRef>
       </dsp:style>
       <dsp:txBody>
-        <a:bodyPr spcFirstLastPara="0" vert="horz" wrap="square" lIns="140970" tIns="140970" rIns="140970" bIns="140970" numCol="1" spcCol="1270" anchor="ctr" anchorCtr="0">
+        <a:bodyPr spcFirstLastPara="0" vert="horz" wrap="square" lIns="137160" tIns="137160" rIns="137160" bIns="137160" numCol="1" spcCol="1270" anchor="ctr" anchorCtr="0">
           <a:noAutofit/>
         </a:bodyPr>
         <a:lstStyle/>
         <a:p>
-          <a:pPr marL="0" lvl="0" indent="0" algn="ctr" defTabSz="1644650">
+          <a:pPr lvl="0" algn="ctr" defTabSz="1600200">
             <a:lnSpc>
               <a:spcPct val="90000"/>
             </a:lnSpc>
@@ -2106,15 +2189,14 @@
             <a:spcAft>
               <a:spcPct val="35000"/>
             </a:spcAft>
-            <a:buNone/>
           </a:pPr>
           <a:r>
-            <a:rPr lang="en-US" sz="3700" kern="1200" dirty="0"/>
+            <a:rPr lang="en-US" sz="3600" kern="1200" dirty="0"/>
             <a:t>Temporal Check</a:t>
           </a:r>
         </a:p>
         <a:p>
-          <a:pPr marL="285750" lvl="1" indent="-285750" algn="l" defTabSz="1289050">
+          <a:pPr marL="285750" lvl="1" indent="-285750" algn="l" defTabSz="1244600">
             <a:lnSpc>
               <a:spcPct val="90000"/>
             </a:lnSpc>
@@ -2124,15 +2206,15 @@
             <a:spcAft>
               <a:spcPct val="15000"/>
             </a:spcAft>
-            <a:buChar char="•"/>
+            <a:buChar char="••"/>
           </a:pPr>
           <a:r>
-            <a:rPr lang="en-US" sz="2900" kern="1200" dirty="0"/>
+            <a:rPr lang="en-US" sz="2800" kern="1200" dirty="0"/>
             <a:t>High total change </a:t>
           </a:r>
         </a:p>
         <a:p>
-          <a:pPr marL="285750" lvl="1" indent="-285750" algn="l" defTabSz="1289050">
+          <a:pPr marL="285750" lvl="1" indent="-285750" algn="l" defTabSz="1244600">
             <a:lnSpc>
               <a:spcPct val="90000"/>
             </a:lnSpc>
@@ -2142,10 +2224,10 @@
             <a:spcAft>
               <a:spcPct val="15000"/>
             </a:spcAft>
-            <a:buChar char="•"/>
+            <a:buChar char="••"/>
           </a:pPr>
           <a:r>
-            <a:rPr lang="en-US" sz="2900" kern="1200" dirty="0"/>
+            <a:rPr lang="en-US" sz="2800" kern="1200" dirty="0"/>
             <a:t>High average rate of change</a:t>
           </a:r>
         </a:p>
@@ -2211,7 +2293,7 @@
         </a:bodyPr>
         <a:lstStyle/>
         <a:p>
-          <a:pPr marL="0" lvl="0" indent="0" algn="ctr" defTabSz="1333500">
+          <a:pPr lvl="0" algn="ctr" defTabSz="1289050">
             <a:lnSpc>
               <a:spcPct val="90000"/>
             </a:lnSpc>
@@ -2221,9 +2303,8 @@
             <a:spcAft>
               <a:spcPct val="35000"/>
             </a:spcAft>
-            <a:buNone/>
           </a:pPr>
-          <a:endParaRPr lang="en-US" sz="3000" kern="1200"/>
+          <a:endParaRPr lang="en-US" sz="2900" kern="1200"/>
         </a:p>
       </dsp:txBody>
       <dsp:txXfrm rot="-5400000">
@@ -2289,12 +2370,12 @@
         </a:fontRef>
       </dsp:style>
       <dsp:txBody>
-        <a:bodyPr spcFirstLastPara="0" vert="horz" wrap="square" lIns="140970" tIns="140970" rIns="140970" bIns="140970" numCol="1" spcCol="1270" anchor="ctr" anchorCtr="0">
+        <a:bodyPr spcFirstLastPara="0" vert="horz" wrap="square" lIns="137160" tIns="137160" rIns="137160" bIns="137160" numCol="1" spcCol="1270" anchor="ctr" anchorCtr="0">
           <a:noAutofit/>
         </a:bodyPr>
         <a:lstStyle/>
         <a:p>
-          <a:pPr marL="0" lvl="0" indent="0" algn="ctr" defTabSz="1644650">
+          <a:pPr lvl="0" algn="ctr" defTabSz="1600200">
             <a:lnSpc>
               <a:spcPct val="90000"/>
             </a:lnSpc>
@@ -2304,15 +2385,15 @@
             <a:spcAft>
               <a:spcPct val="35000"/>
             </a:spcAft>
-            <a:buNone/>
           </a:pPr>
           <a:r>
-            <a:rPr lang="en-US" sz="3700" kern="1200" dirty="0"/>
-            <a:t>Corresponding Region Check</a:t>
+            <a:rPr lang="en-US" sz="3600" kern="1200" dirty="0" smtClean="0"/>
+            <a:t>Corresponding-region Check</a:t>
           </a:r>
+          <a:endParaRPr lang="en-US" sz="3600" kern="1200" dirty="0"/>
         </a:p>
         <a:p>
-          <a:pPr marL="285750" lvl="1" indent="-285750" algn="l" defTabSz="1289050">
+          <a:pPr marL="285750" lvl="1" indent="-285750" algn="l" defTabSz="1244600">
             <a:lnSpc>
               <a:spcPct val="90000"/>
             </a:lnSpc>
@@ -2322,15 +2403,16 @@
             <a:spcAft>
               <a:spcPct val="15000"/>
             </a:spcAft>
-            <a:buChar char="•"/>
+            <a:buChar char="••"/>
           </a:pPr>
           <a:r>
-            <a:rPr lang="en-US" sz="2900" kern="1200" dirty="0"/>
-            <a:t>Compare to opposite side</a:t>
+            <a:rPr lang="en-US" sz="2800" kern="1200" dirty="0" smtClean="0"/>
+            <a:t>Clusters cooler than opposite side removed</a:t>
           </a:r>
+          <a:endParaRPr lang="en-US" sz="2800" kern="1200" dirty="0"/>
         </a:p>
         <a:p>
-          <a:pPr marL="285750" lvl="1" indent="-285750" algn="ctr" defTabSz="1289050">
+          <a:pPr marL="285750" lvl="1" indent="-285750" algn="ctr" defTabSz="1244600">
             <a:lnSpc>
               <a:spcPct val="90000"/>
             </a:lnSpc>
@@ -2340,10 +2422,10 @@
             <a:spcAft>
               <a:spcPct val="15000"/>
             </a:spcAft>
-            <a:buChar char="•"/>
+            <a:buChar char="••"/>
           </a:pPr>
           <a:r>
-            <a:rPr lang="en-US" sz="2900" kern="1200" dirty="0"/>
+            <a:rPr lang="en-US" sz="2800" kern="1200" dirty="0"/>
             <a:t>	</a:t>
           </a:r>
         </a:p>
@@ -5471,7 +5553,7 @@
         <p:spPr bwMode="auto">
           <a:xfrm>
             <a:off x="9473408" y="67323"/>
-            <a:ext cx="32175573" cy="5424754"/>
+            <a:ext cx="32175573" cy="3867427"/>
           </a:xfrm>
           <a:noFill/>
           <a:ln>
@@ -5498,7 +5580,29 @@
                 <a:ea typeface="宋体" charset="-122"/>
                 <a:cs typeface="Arial" charset="0"/>
               </a:rPr>
-              <a:t>Cluster Analysis in Thermal Imaging to Aid in the Diagnosis of Breast Cancer</a:t>
+              <a:t>Cluster Analysis in Thermal Imaging to Aid in the Diagnosis of </a:t>
+            </a:r>
+            <a:r>
+              <a:rPr lang="en-US" altLang="zh-CN" sz="7800" b="1" spc="-174" dirty="0" smtClean="0">
+                <a:solidFill>
+                  <a:schemeClr val="bg1"/>
+                </a:solidFill>
+                <a:latin typeface="Arial" charset="0"/>
+                <a:ea typeface="宋体" charset="-122"/>
+                <a:cs typeface="Arial" charset="0"/>
+              </a:rPr>
+              <a:t>Breast Cancer</a:t>
+            </a:r>
+            <a:r>
+              <a:rPr lang="en-US" altLang="zh-CN" sz="7800" b="1" spc="-174" dirty="0">
+                <a:solidFill>
+                  <a:schemeClr val="bg1"/>
+                </a:solidFill>
+                <a:latin typeface="Arial" charset="0"/>
+                <a:ea typeface="宋体" charset="-122"/>
+                <a:cs typeface="Arial" charset="0"/>
+              </a:rPr>
+              <a:t/>
             </a:r>
             <a:br>
               <a:rPr lang="en-US" altLang="zh-CN" sz="7800" b="1" spc="-174" dirty="0">
@@ -5519,9 +5623,42 @@
                 <a:ea typeface="宋体" charset="-122"/>
                 <a:cs typeface="Arial" charset="0"/>
               </a:rPr>
-              <a:t>Sydney Bailes, Jacob Halle, and Murray Loew</a:t>
-            </a:r>
-            <a:br>
+              <a:t>Sydney </a:t>
+            </a:r>
+            <a:r>
+              <a:rPr lang="en-US" altLang="zh-CN" sz="6700" b="1" dirty="0" smtClean="0">
+                <a:solidFill>
+                  <a:schemeClr val="bg1"/>
+                </a:solidFill>
+                <a:latin typeface="Arial" charset="0"/>
+                <a:ea typeface="宋体" charset="-122"/>
+                <a:cs typeface="Arial" charset="0"/>
+              </a:rPr>
+              <a:t>Bailes</a:t>
+            </a:r>
+            <a:r>
+              <a:rPr lang="en-US" altLang="zh-CN" sz="6700" b="1" baseline="30000" dirty="0">
+                <a:solidFill>
+                  <a:schemeClr val="bg1"/>
+                </a:solidFill>
+                <a:latin typeface="Arial" charset="0"/>
+                <a:ea typeface="宋体" charset="-122"/>
+                <a:cs typeface="Arial" charset="0"/>
+              </a:rPr>
+              <a:t>1</a:t>
+            </a:r>
+            <a:r>
+              <a:rPr lang="en-US" altLang="zh-CN" sz="6700" b="1" dirty="0" smtClean="0">
+                <a:solidFill>
+                  <a:schemeClr val="bg1"/>
+                </a:solidFill>
+                <a:latin typeface="Arial" charset="0"/>
+                <a:ea typeface="宋体" charset="-122"/>
+                <a:cs typeface="Arial" charset="0"/>
+              </a:rPr>
+              <a:t>, </a:t>
+            </a:r>
+            <a:r>
               <a:rPr lang="en-US" altLang="zh-CN" sz="6700" b="1" dirty="0">
                 <a:solidFill>
                   <a:schemeClr val="bg1"/>
@@ -5530,9 +5667,10 @@
                 <a:ea typeface="宋体" charset="-122"/>
                 <a:cs typeface="Arial" charset="0"/>
               </a:rPr>
-            </a:br>
-            <a:r>
-              <a:rPr lang="en-US" altLang="zh-CN" sz="5600" b="1" i="1" dirty="0">
+              <a:t>Jacob </a:t>
+            </a:r>
+            <a:r>
+              <a:rPr lang="en-US" altLang="zh-CN" sz="6700" b="1" dirty="0" smtClean="0">
                 <a:solidFill>
                   <a:schemeClr val="bg1"/>
                 </a:solidFill>
@@ -5540,10 +5678,76 @@
                 <a:ea typeface="宋体" charset="-122"/>
                 <a:cs typeface="Arial" charset="0"/>
               </a:rPr>
-              <a:t>Department of Biomedical Engineering - George Washington University</a:t>
+              <a:t>Halle</a:t>
+            </a:r>
+            <a:r>
+              <a:rPr lang="en-US" altLang="zh-CN" sz="6700" b="1" baseline="30000" dirty="0" smtClean="0">
+                <a:solidFill>
+                  <a:schemeClr val="bg1"/>
+                </a:solidFill>
+                <a:latin typeface="Arial" charset="0"/>
+                <a:ea typeface="宋体" charset="-122"/>
+                <a:cs typeface="Arial" charset="0"/>
+              </a:rPr>
+              <a:t>2</a:t>
+            </a:r>
+            <a:r>
+              <a:rPr lang="en-US" altLang="zh-CN" sz="6700" b="1" dirty="0" smtClean="0">
+                <a:solidFill>
+                  <a:schemeClr val="bg1"/>
+                </a:solidFill>
+                <a:latin typeface="Arial" charset="0"/>
+                <a:ea typeface="宋体" charset="-122"/>
+                <a:cs typeface="Arial" charset="0"/>
+              </a:rPr>
+              <a:t>, </a:t>
+            </a:r>
+            <a:r>
+              <a:rPr lang="en-US" altLang="zh-CN" sz="6700" b="1" dirty="0">
+                <a:solidFill>
+                  <a:schemeClr val="bg1"/>
+                </a:solidFill>
+                <a:latin typeface="Arial" charset="0"/>
+                <a:ea typeface="宋体" charset="-122"/>
+                <a:cs typeface="Arial" charset="0"/>
+              </a:rPr>
+              <a:t>and Murray </a:t>
+            </a:r>
+            <a:r>
+              <a:rPr lang="en-US" altLang="zh-CN" sz="6700" b="1" dirty="0" smtClean="0">
+                <a:solidFill>
+                  <a:schemeClr val="bg1"/>
+                </a:solidFill>
+                <a:latin typeface="Arial" charset="0"/>
+                <a:ea typeface="宋体" charset="-122"/>
+                <a:cs typeface="Arial" charset="0"/>
+              </a:rPr>
+              <a:t>Loew</a:t>
+            </a:r>
+            <a:r>
+              <a:rPr lang="en-US" altLang="zh-CN" sz="6700" b="1" baseline="30000" dirty="0" smtClean="0">
+                <a:solidFill>
+                  <a:schemeClr val="bg1"/>
+                </a:solidFill>
+                <a:latin typeface="Arial" charset="0"/>
+                <a:ea typeface="宋体" charset="-122"/>
+                <a:cs typeface="Arial" charset="0"/>
+              </a:rPr>
+              <a:t>1</a:t>
+            </a:r>
+            <a:r>
+              <a:rPr lang="en-US" altLang="zh-CN" sz="6700" b="1" dirty="0" smtClean="0">
+                <a:solidFill>
+                  <a:schemeClr val="bg1"/>
+                </a:solidFill>
+                <a:latin typeface="Arial" charset="0"/>
+                <a:ea typeface="宋体" charset="-122"/>
+                <a:cs typeface="Arial" charset="0"/>
+              </a:rPr>
+              <a:t/>
             </a:r>
             <a:br>
-              <a:rPr lang="en-US" altLang="zh-CN" sz="5600" b="1" i="1" dirty="0">
+              <a:rPr lang="en-US" altLang="zh-CN" sz="6700" b="1" dirty="0" smtClean="0">
                 <a:solidFill>
                   <a:schemeClr val="bg1"/>
                 </a:solidFill>
@@ -5552,17 +5756,6 @@
                 <a:cs typeface="Arial" charset="0"/>
               </a:rPr>
             </a:br>
-            <a:r>
-              <a:rPr lang="en-US" altLang="zh-CN" sz="5600" b="1" i="1" dirty="0">
-                <a:solidFill>
-                  <a:schemeClr val="bg1"/>
-                </a:solidFill>
-                <a:latin typeface="Arial" charset="0"/>
-                <a:ea typeface="宋体" charset="-122"/>
-                <a:cs typeface="Arial" charset="0"/>
-              </a:rPr>
-              <a:t>Washington, D.C.  USA</a:t>
-            </a:r>
             <a:endParaRPr lang="en-US" altLang="zh-CN" sz="8400" b="1" dirty="0">
               <a:solidFill>
                 <a:schemeClr val="bg1"/>
@@ -5584,7 +5777,7 @@
         </p:nvSpPr>
         <p:spPr bwMode="auto">
           <a:xfrm>
-            <a:off x="839057" y="10992201"/>
+            <a:off x="839057" y="10815974"/>
             <a:ext cx="11657010" cy="681570"/>
           </a:xfrm>
           <a:prstGeom prst="rect">
@@ -5924,7 +6117,7 @@
         </p:nvSpPr>
         <p:spPr bwMode="auto">
           <a:xfrm>
-            <a:off x="820481" y="17140566"/>
+            <a:off x="820481" y="17042160"/>
             <a:ext cx="11657010" cy="681570"/>
           </a:xfrm>
           <a:prstGeom prst="rect">
@@ -6043,7 +6236,7 @@
         </p:nvSpPr>
         <p:spPr bwMode="auto">
           <a:xfrm>
-            <a:off x="38625202" y="24530992"/>
+            <a:off x="38625202" y="25433598"/>
             <a:ext cx="11645900" cy="681570"/>
           </a:xfrm>
           <a:prstGeom prst="rect">
@@ -6089,7 +6282,7 @@
           <p:cNvPr id="41" name="Text Box 6">
             <a:extLst>
               <a:ext uri="{FF2B5EF4-FFF2-40B4-BE49-F238E27FC236}">
-                <a16:creationId xmlns:a16="http://schemas.microsoft.com/office/drawing/2014/main" id="{DA967A70-E0DE-480D-87E0-5C2A168CBAAC}"/>
+                <a16:creationId xmlns:a16="http://schemas.microsoft.com/office/drawing/2014/main" xmlns="" id="{DA967A70-E0DE-480D-87E0-5C2A168CBAAC}"/>
               </a:ext>
             </a:extLst>
           </p:cNvPr>
@@ -6101,7 +6294,7 @@
         <p:spPr bwMode="auto">
           <a:xfrm>
             <a:off x="39047086" y="7585099"/>
-            <a:ext cx="10802132" cy="14511596"/>
+            <a:ext cx="10802132" cy="14665485"/>
           </a:xfrm>
           <a:prstGeom prst="rect">
             <a:avLst/>
@@ -6123,19 +6316,28 @@
             <a:pPr algn="just"/>
             <a:r>
               <a:rPr lang="en-US" altLang="zh-CN" sz="3600" dirty="0"/>
-              <a:t>The comparison of the thermal characteristics of the truth region and corresponding region on the healthy breast verified that the tumorous region changed less over 15 minutes and had a slower rate of change. While all of the truth regions exhibited those characteristics, some of the normal regions exhibited this behavior as well, making it clear that additional checks were needed to eliminate clusters.</a:t>
+              <a:t>The comparison of the thermal characteristics of the truth region and corresponding region on the healthy breast verified that the tumorous region changed less over 15 minutes and had a slower rate of change. While all of the truth regions exhibited those characteristics, some of the normal regions exhibited this behavior as well, making it clear that additional checks were needed to eliminate clusters</a:t>
+            </a:r>
+            <a:r>
+              <a:rPr lang="en-US" altLang="zh-CN" sz="3600" dirty="0" smtClean="0"/>
+              <a:t>.</a:t>
             </a:r>
           </a:p>
           <a:p>
             <a:pPr algn="just"/>
-            <a:endParaRPr lang="en-US" altLang="zh-CN" sz="3600" dirty="0"/>
+            <a:endParaRPr lang="en-US" altLang="zh-CN" sz="1000" dirty="0"/>
           </a:p>
           <a:p>
             <a:pPr algn="just"/>
             <a:r>
               <a:rPr lang="en-US" altLang="zh-CN" sz="3600" dirty="0"/>
-              <a:t>The checks described helped reduce the number of clusters by 90-93%, yielding clusters in and around the truth region with a few additional clusters. Ideally the cluster removal methods would be able to eliminate all clusters except for those in the area of the truth region; however, there were several factors preventing this:</a:t>
-            </a:r>
+              <a:t>The checks described helped reduce the number of clusters by 90-93%, yielding clusters in and around the truth region with a few additional clusters. Ideally the cluster removal methods would be able to eliminate all clusters except for those in the area of the truth region; however, there were several factors preventing </a:t>
+            </a:r>
+            <a:r>
+              <a:rPr lang="en-US" altLang="zh-CN" sz="3600" dirty="0" smtClean="0"/>
+              <a:t>this, including:</a:t>
+            </a:r>
+            <a:endParaRPr lang="en-US" altLang="zh-CN" sz="3600" dirty="0"/>
           </a:p>
           <a:p>
             <a:pPr marL="1637701" lvl="2" indent="-571500" algn="just">
@@ -6143,8 +6345,16 @@
               <a:buChar char="o"/>
             </a:pPr>
             <a:r>
+              <a:rPr lang="en-US" altLang="zh-CN" sz="3600" dirty="0" smtClean="0"/>
+              <a:t>Inherent </a:t>
+            </a:r>
+            <a:r>
               <a:rPr lang="en-US" altLang="zh-CN" sz="3600" dirty="0"/>
-              <a:t> Inherent non-uniformity in the breast tissue Blood vessels that have similar characteristics to tumors</a:t>
+              <a:t>non-uniformity in the breast </a:t>
+            </a:r>
+            <a:r>
+              <a:rPr lang="en-US" altLang="zh-CN" sz="3600" dirty="0" smtClean="0"/>
+              <a:t>tissue</a:t>
             </a:r>
           </a:p>
           <a:p>
@@ -6153,9 +6363,42 @@
               <a:buChar char="o"/>
             </a:pPr>
             <a:r>
+              <a:rPr lang="en-US" altLang="zh-CN" sz="3600" dirty="0" smtClean="0"/>
+              <a:t>Blood </a:t>
+            </a:r>
+            <a:r>
               <a:rPr lang="en-US" altLang="zh-CN" sz="3600" dirty="0"/>
-              <a:t> Lack of symmetry that makes it difficult to compare an area on one breast to the same spot on the other breast</a:t>
-            </a:r>
+              <a:t>vessels that have similar characteristics to tumors</a:t>
+            </a:r>
+          </a:p>
+          <a:p>
+            <a:pPr marL="1637701" lvl="2" indent="-571500" algn="just">
+              <a:buFont typeface="Courier New" panose="02070309020205020404" pitchFamily="49" charset="0"/>
+              <a:buChar char="o"/>
+            </a:pPr>
+            <a:r>
+              <a:rPr lang="en-US" altLang="zh-CN" sz="3600" dirty="0" smtClean="0"/>
+              <a:t>Lack </a:t>
+            </a:r>
+            <a:r>
+              <a:rPr lang="en-US" altLang="zh-CN" sz="3600" dirty="0"/>
+              <a:t>of symmetry that makes it difficult to compare an area on one breast to the same spot on the other </a:t>
+            </a:r>
+            <a:r>
+              <a:rPr lang="en-US" altLang="zh-CN" sz="3600" dirty="0" smtClean="0"/>
+              <a:t>breast</a:t>
+            </a:r>
+          </a:p>
+          <a:p>
+            <a:pPr marL="1637701" lvl="2" indent="-571500" algn="just">
+              <a:buFont typeface="Courier New" panose="02070309020205020404" pitchFamily="49" charset="0"/>
+              <a:buChar char="o"/>
+            </a:pPr>
+            <a:r>
+              <a:rPr lang="en-US" altLang="zh-CN" sz="3600" dirty="0" smtClean="0"/>
+              <a:t>Patient movement made it difficult to track a cluster over time</a:t>
+            </a:r>
+            <a:endParaRPr lang="en-US" altLang="zh-CN" sz="3600" dirty="0"/>
           </a:p>
           <a:p>
             <a:pPr marL="1637701" lvl="2" indent="-571500" algn="just">
@@ -6175,7 +6418,7 @@
           <p:cNvPr id="42" name="Text Box 6">
             <a:extLst>
               <a:ext uri="{FF2B5EF4-FFF2-40B4-BE49-F238E27FC236}">
-                <a16:creationId xmlns:a16="http://schemas.microsoft.com/office/drawing/2014/main" id="{32771C74-6E97-49B0-9C0F-288876EDCD9D}"/>
+                <a16:creationId xmlns:a16="http://schemas.microsoft.com/office/drawing/2014/main" xmlns="" id="{32771C74-6E97-49B0-9C0F-288876EDCD9D}"/>
               </a:ext>
             </a:extLst>
           </p:cNvPr>
@@ -6186,7 +6429,7 @@
         </p:nvSpPr>
         <p:spPr bwMode="auto">
           <a:xfrm>
-            <a:off x="39049193" y="20570552"/>
+            <a:off x="39049193" y="21121418"/>
             <a:ext cx="10802132" cy="3985638"/>
           </a:xfrm>
           <a:prstGeom prst="rect">
@@ -6209,7 +6452,15 @@
             <a:pPr algn="just"/>
             <a:r>
               <a:rPr lang="en-US" altLang="zh-CN" sz="3600" dirty="0"/>
-              <a:t>Although these results are promising, additional improvements to the algorithm are needed in order to fully reach the goal of being able to use thermography for breast cancer detection. Furthermore, more patients should be imaged to ensure the algorithm can work on a wide range of patients.</a:t>
+              <a:t>Although these results are promising, additional improvements to the algorithm are needed in order to fully reach the goal of being able to use thermography for breast cancer detection. Furthermore, more patients should be imaged to ensure the algorithm can work </a:t>
+            </a:r>
+            <a:r>
+              <a:rPr lang="en-US" altLang="zh-CN" sz="3600" dirty="0" smtClean="0"/>
+              <a:t>for a </a:t>
+            </a:r>
+            <a:r>
+              <a:rPr lang="en-US" altLang="zh-CN" sz="3600" dirty="0"/>
+              <a:t>wide range of patients.</a:t>
             </a:r>
           </a:p>
         </p:txBody>
@@ -6219,7 +6470,7 @@
           <p:cNvPr id="17" name="Text Box 6">
             <a:extLst>
               <a:ext uri="{FF2B5EF4-FFF2-40B4-BE49-F238E27FC236}">
-                <a16:creationId xmlns:a16="http://schemas.microsoft.com/office/drawing/2014/main" id="{53A06A58-7125-4C7E-9844-8D0F4A02E25F}"/>
+                <a16:creationId xmlns:a16="http://schemas.microsoft.com/office/drawing/2014/main" xmlns="" id="{53A06A58-7125-4C7E-9844-8D0F4A02E25F}"/>
               </a:ext>
             </a:extLst>
           </p:cNvPr>
@@ -6230,7 +6481,7 @@
         </p:nvSpPr>
         <p:spPr bwMode="auto">
           <a:xfrm>
-            <a:off x="39047086" y="25678174"/>
+            <a:off x="39047086" y="26416325"/>
             <a:ext cx="10802132" cy="6755627"/>
           </a:xfrm>
           <a:prstGeom prst="rect">
@@ -6263,7 +6514,7 @@
           <p:cNvPr id="18" name="Text Box 6">
             <a:extLst>
               <a:ext uri="{FF2B5EF4-FFF2-40B4-BE49-F238E27FC236}">
-                <a16:creationId xmlns:a16="http://schemas.microsoft.com/office/drawing/2014/main" id="{1C45C4E1-3426-4C82-B5B2-C3336301547E}"/>
+                <a16:creationId xmlns:a16="http://schemas.microsoft.com/office/drawing/2014/main" xmlns="" id="{1C45C4E1-3426-4C82-B5B2-C3336301547E}"/>
               </a:ext>
             </a:extLst>
           </p:cNvPr>
@@ -6307,7 +6558,7 @@
           <p:cNvPr id="2" name="Table 1">
             <a:extLst>
               <a:ext uri="{FF2B5EF4-FFF2-40B4-BE49-F238E27FC236}">
-                <a16:creationId xmlns:a16="http://schemas.microsoft.com/office/drawing/2014/main" id="{C168FDEE-7004-4042-95FF-422A33535F7D}"/>
+                <a16:creationId xmlns:a16="http://schemas.microsoft.com/office/drawing/2014/main" xmlns="" id="{C168FDEE-7004-4042-95FF-422A33535F7D}"/>
               </a:ext>
             </a:extLst>
           </p:cNvPr>
@@ -6336,35 +6587,35 @@
                 <a:gridCol w="2923525">
                   <a:extLst>
                     <a:ext uri="{9D8B030D-6E8A-4147-A177-3AD203B41FA5}">
-                      <a16:colId xmlns:a16="http://schemas.microsoft.com/office/drawing/2014/main" val="4027218350"/>
+                      <a16:colId xmlns:a16="http://schemas.microsoft.com/office/drawing/2014/main" xmlns="" val="4027218350"/>
                     </a:ext>
                   </a:extLst>
                 </a:gridCol>
                 <a:gridCol w="2923525">
                   <a:extLst>
                     <a:ext uri="{9D8B030D-6E8A-4147-A177-3AD203B41FA5}">
-                      <a16:colId xmlns:a16="http://schemas.microsoft.com/office/drawing/2014/main" val="2414740310"/>
+                      <a16:colId xmlns:a16="http://schemas.microsoft.com/office/drawing/2014/main" xmlns="" val="2414740310"/>
                     </a:ext>
                   </a:extLst>
                 </a:gridCol>
                 <a:gridCol w="2923525">
                   <a:extLst>
                     <a:ext uri="{9D8B030D-6E8A-4147-A177-3AD203B41FA5}">
-                      <a16:colId xmlns:a16="http://schemas.microsoft.com/office/drawing/2014/main" val="1249890022"/>
+                      <a16:colId xmlns:a16="http://schemas.microsoft.com/office/drawing/2014/main" xmlns="" val="1249890022"/>
                     </a:ext>
                   </a:extLst>
                 </a:gridCol>
                 <a:gridCol w="2923525">
                   <a:extLst>
                     <a:ext uri="{9D8B030D-6E8A-4147-A177-3AD203B41FA5}">
-                      <a16:colId xmlns:a16="http://schemas.microsoft.com/office/drawing/2014/main" val="710232281"/>
+                      <a16:colId xmlns:a16="http://schemas.microsoft.com/office/drawing/2014/main" xmlns="" val="710232281"/>
                     </a:ext>
                   </a:extLst>
                 </a:gridCol>
                 <a:gridCol w="2923525">
                   <a:extLst>
                     <a:ext uri="{9D8B030D-6E8A-4147-A177-3AD203B41FA5}">
-                      <a16:colId xmlns:a16="http://schemas.microsoft.com/office/drawing/2014/main" val="3549664440"/>
+                      <a16:colId xmlns:a16="http://schemas.microsoft.com/office/drawing/2014/main" xmlns="" val="3549664440"/>
                     </a:ext>
                   </a:extLst>
                 </a:gridCol>
@@ -6436,7 +6687,7 @@
                 </a:tc>
                 <a:extLst>
                   <a:ext uri="{0D108BD9-81ED-4DB2-BD59-A6C34878D82A}">
-                    <a16:rowId xmlns:a16="http://schemas.microsoft.com/office/drawing/2014/main" val="2335270203"/>
+                    <a16:rowId xmlns:a16="http://schemas.microsoft.com/office/drawing/2014/main" xmlns="" val="2335270203"/>
                   </a:ext>
                 </a:extLst>
               </a:tr>
@@ -6523,7 +6774,7 @@
                 </a:tc>
                 <a:extLst>
                   <a:ext uri="{0D108BD9-81ED-4DB2-BD59-A6C34878D82A}">
-                    <a16:rowId xmlns:a16="http://schemas.microsoft.com/office/drawing/2014/main" val="3334116683"/>
+                    <a16:rowId xmlns:a16="http://schemas.microsoft.com/office/drawing/2014/main" xmlns="" val="3334116683"/>
                   </a:ext>
                 </a:extLst>
               </a:tr>
@@ -6618,7 +6869,7 @@
                 </a:tc>
                 <a:extLst>
                   <a:ext uri="{0D108BD9-81ED-4DB2-BD59-A6C34878D82A}">
-                    <a16:rowId xmlns:a16="http://schemas.microsoft.com/office/drawing/2014/main" val="640995743"/>
+                    <a16:rowId xmlns:a16="http://schemas.microsoft.com/office/drawing/2014/main" xmlns="" val="640995743"/>
                   </a:ext>
                 </a:extLst>
               </a:tr>
@@ -6713,7 +6964,7 @@
                 </a:tc>
                 <a:extLst>
                   <a:ext uri="{0D108BD9-81ED-4DB2-BD59-A6C34878D82A}">
-                    <a16:rowId xmlns:a16="http://schemas.microsoft.com/office/drawing/2014/main" val="1616435402"/>
+                    <a16:rowId xmlns:a16="http://schemas.microsoft.com/office/drawing/2014/main" xmlns="" val="1616435402"/>
                   </a:ext>
                 </a:extLst>
               </a:tr>
@@ -6808,7 +7059,7 @@
                 </a:tc>
                 <a:extLst>
                   <a:ext uri="{0D108BD9-81ED-4DB2-BD59-A6C34878D82A}">
-                    <a16:rowId xmlns:a16="http://schemas.microsoft.com/office/drawing/2014/main" val="1224277220"/>
+                    <a16:rowId xmlns:a16="http://schemas.microsoft.com/office/drawing/2014/main" xmlns="" val="1224277220"/>
                   </a:ext>
                 </a:extLst>
               </a:tr>
@@ -6903,7 +7154,7 @@
                 </a:tc>
                 <a:extLst>
                   <a:ext uri="{0D108BD9-81ED-4DB2-BD59-A6C34878D82A}">
-                    <a16:rowId xmlns:a16="http://schemas.microsoft.com/office/drawing/2014/main" val="1298191549"/>
+                    <a16:rowId xmlns:a16="http://schemas.microsoft.com/office/drawing/2014/main" xmlns="" val="1298191549"/>
                   </a:ext>
                 </a:extLst>
               </a:tr>
@@ -6916,7 +7167,7 @@
           <p:cNvPr id="20" name="Text Box 6">
             <a:extLst>
               <a:ext uri="{FF2B5EF4-FFF2-40B4-BE49-F238E27FC236}">
-                <a16:creationId xmlns:a16="http://schemas.microsoft.com/office/drawing/2014/main" id="{955765DE-53E8-412D-994D-36F40AD183C0}"/>
+                <a16:creationId xmlns:a16="http://schemas.microsoft.com/office/drawing/2014/main" xmlns="" id="{955765DE-53E8-412D-994D-36F40AD183C0}"/>
               </a:ext>
             </a:extLst>
           </p:cNvPr>
@@ -6927,7 +7178,7 @@
         </p:nvSpPr>
         <p:spPr bwMode="auto">
           <a:xfrm>
-            <a:off x="1247920" y="11788029"/>
+            <a:off x="1247920" y="11713568"/>
             <a:ext cx="10802132" cy="5093633"/>
           </a:xfrm>
           <a:prstGeom prst="rect">
@@ -6971,7 +7222,7 @@
           <p:cNvPr id="21" name="Text Box 6">
             <a:extLst>
               <a:ext uri="{FF2B5EF4-FFF2-40B4-BE49-F238E27FC236}">
-                <a16:creationId xmlns:a16="http://schemas.microsoft.com/office/drawing/2014/main" id="{5FFD43D0-7AC0-4897-8C90-9000BEE65474}"/>
+                <a16:creationId xmlns:a16="http://schemas.microsoft.com/office/drawing/2014/main" xmlns="" id="{5FFD43D0-7AC0-4897-8C90-9000BEE65474}"/>
               </a:ext>
             </a:extLst>
           </p:cNvPr>
@@ -6983,7 +7234,7 @@
         <p:spPr bwMode="auto">
           <a:xfrm>
             <a:off x="1120480" y="17978264"/>
-            <a:ext cx="10802132" cy="20113130"/>
+            <a:ext cx="10802132" cy="19620687"/>
           </a:xfrm>
           <a:prstGeom prst="rect">
             <a:avLst/>
@@ -7003,8 +7254,12 @@
           <a:lstStyle/>
           <a:p>
             <a:r>
+              <a:rPr lang="en-US" altLang="zh-CN" sz="3600" dirty="0" smtClean="0"/>
+              <a:t>Acquire </a:t>
+            </a:r>
+            <a:r>
               <a:rPr lang="en-US" altLang="zh-CN" sz="3600" dirty="0"/>
-              <a:t>Gather Images:</a:t>
+              <a:t>Images:</a:t>
             </a:r>
           </a:p>
           <a:p>
@@ -7014,7 +7269,27 @@
             </a:pPr>
             <a:r>
               <a:rPr lang="en-US" altLang="zh-CN" sz="3600" dirty="0"/>
-              <a:t>Patients were imaged over the course of 15 Minutes with an N2 Infrared Camera with Thermal Resolution of 50 </a:t>
+              <a:t>Patients were imaged over the course of 15 </a:t>
+            </a:r>
+            <a:r>
+              <a:rPr lang="en-US" altLang="zh-CN" sz="3600" dirty="0" smtClean="0"/>
+              <a:t>minutes </a:t>
+            </a:r>
+            <a:r>
+              <a:rPr lang="en-US" altLang="zh-CN" sz="3600" dirty="0"/>
+              <a:t>with an N2 Infrared Camera with </a:t>
+            </a:r>
+            <a:r>
+              <a:rPr lang="en-US" altLang="zh-CN" sz="3600" dirty="0"/>
+              <a:t>t</a:t>
+            </a:r>
+            <a:r>
+              <a:rPr lang="en-US" altLang="zh-CN" sz="3600" dirty="0" smtClean="0"/>
+              <a:t>hermal resolution </a:t>
+            </a:r>
+            <a:r>
+              <a:rPr lang="en-US" altLang="zh-CN" sz="3600" dirty="0"/>
+              <a:t>of 50 </a:t>
             </a:r>
             <a:r>
               <a:rPr lang="en-US" altLang="zh-CN" sz="3600" dirty="0" err="1"/>
@@ -7064,7 +7339,27 @@
             </a:pPr>
             <a:r>
               <a:rPr lang="en-US" altLang="zh-CN" sz="3600" dirty="0"/>
-              <a:t>Truth region on breast with tumor identified and average temperature tracked was over the 15 minutes</a:t>
+              <a:t>Truth region on breast with tumor </a:t>
+            </a:r>
+            <a:r>
+              <a:rPr lang="en-US" altLang="zh-CN" sz="3600" dirty="0" smtClean="0"/>
+              <a:t>identified, </a:t>
+            </a:r>
+            <a:r>
+              <a:rPr lang="en-US" altLang="zh-CN" sz="3600" dirty="0"/>
+              <a:t>and average temperature </a:t>
+            </a:r>
+            <a:r>
+              <a:rPr lang="en-US" altLang="zh-CN" sz="3600" dirty="0" smtClean="0"/>
+              <a:t>was t</a:t>
+            </a:r>
+            <a:r>
+              <a:rPr lang="en-US" altLang="zh-CN" sz="3600" dirty="0" smtClean="0"/>
+              <a:t>racked over 15 </a:t>
+            </a:r>
+            <a:r>
+              <a:rPr lang="en-US" altLang="zh-CN" sz="3600" dirty="0"/>
+              <a:t>minutes</a:t>
             </a:r>
           </a:p>
           <a:p>
@@ -7074,7 +7369,15 @@
             </a:pPr>
             <a:r>
               <a:rPr lang="en-US" altLang="zh-CN" sz="3600" dirty="0"/>
-              <a:t>Corresponding region on the healthy breast identified and average temperature was tracked over 15 minutes</a:t>
+              <a:t>Corresponding region on the healthy breast </a:t>
+            </a:r>
+            <a:r>
+              <a:rPr lang="en-US" altLang="zh-CN" sz="3600" dirty="0" smtClean="0"/>
+              <a:t>identified, </a:t>
+            </a:r>
+            <a:r>
+              <a:rPr lang="en-US" altLang="zh-CN" sz="3600" dirty="0"/>
+              <a:t>and average temperature was tracked over 15 minutes</a:t>
             </a:r>
           </a:p>
           <a:p>
@@ -7084,7 +7387,15 @@
             </a:pPr>
             <a:r>
               <a:rPr lang="en-US" altLang="zh-CN" sz="3600" dirty="0"/>
-              <a:t>Total change and rate of change over the 15 minutes for both areas was calculated </a:t>
+              <a:t>Total change and rate of change over </a:t>
+            </a:r>
+            <a:r>
+              <a:rPr lang="en-US" altLang="zh-CN" sz="3600" dirty="0" smtClean="0"/>
+              <a:t>15 </a:t>
+            </a:r>
+            <a:r>
+              <a:rPr lang="en-US" altLang="zh-CN" sz="3600" dirty="0"/>
+              <a:t>minutes for both areas was calculated </a:t>
             </a:r>
           </a:p>
           <a:p>
@@ -7195,7 +7506,7 @@
           <p:cNvPr id="8" name="Picture 7">
             <a:extLst>
               <a:ext uri="{FF2B5EF4-FFF2-40B4-BE49-F238E27FC236}">
-                <a16:creationId xmlns:a16="http://schemas.microsoft.com/office/drawing/2014/main" id="{179637F8-75FF-4611-8080-B95790D00984}"/>
+                <a16:creationId xmlns:a16="http://schemas.microsoft.com/office/drawing/2014/main" xmlns="" id="{179637F8-75FF-4611-8080-B95790D00984}"/>
               </a:ext>
             </a:extLst>
           </p:cNvPr>
@@ -7224,7 +7535,7 @@
           <p:cNvPr id="28" name="Text Box 6">
             <a:extLst>
               <a:ext uri="{FF2B5EF4-FFF2-40B4-BE49-F238E27FC236}">
-                <a16:creationId xmlns:a16="http://schemas.microsoft.com/office/drawing/2014/main" id="{2F67DDF2-3AC9-49BE-89EF-9838FD465CD3}"/>
+                <a16:creationId xmlns:a16="http://schemas.microsoft.com/office/drawing/2014/main" xmlns="" id="{2F67DDF2-3AC9-49BE-89EF-9838FD465CD3}"/>
               </a:ext>
             </a:extLst>
           </p:cNvPr>
@@ -7276,7 +7587,7 @@
           <p:cNvPr id="12" name="Picture 11" descr="A close up of a map&#10;&#10;Description generated with very high confidence">
             <a:extLst>
               <a:ext uri="{FF2B5EF4-FFF2-40B4-BE49-F238E27FC236}">
-                <a16:creationId xmlns:a16="http://schemas.microsoft.com/office/drawing/2014/main" id="{11DD486C-1BDC-4BBF-A6E9-810DF338097A}"/>
+                <a16:creationId xmlns:a16="http://schemas.microsoft.com/office/drawing/2014/main" xmlns="" id="{11DD486C-1BDC-4BBF-A6E9-810DF338097A}"/>
               </a:ext>
             </a:extLst>
           </p:cNvPr>
@@ -7305,7 +7616,7 @@
           <p:cNvPr id="6" name="Group 5">
             <a:extLst>
               <a:ext uri="{FF2B5EF4-FFF2-40B4-BE49-F238E27FC236}">
-                <a16:creationId xmlns:a16="http://schemas.microsoft.com/office/drawing/2014/main" id="{3599080D-834F-4281-B866-E6AAC474D775}"/>
+                <a16:creationId xmlns:a16="http://schemas.microsoft.com/office/drawing/2014/main" xmlns="" id="{3599080D-834F-4281-B866-E6AAC474D775}"/>
               </a:ext>
             </a:extLst>
           </p:cNvPr>
@@ -7325,7 +7636,7 @@
             <p:cNvPr id="3" name="Diagram 2">
               <a:extLst>
                 <a:ext uri="{FF2B5EF4-FFF2-40B4-BE49-F238E27FC236}">
-                  <a16:creationId xmlns:a16="http://schemas.microsoft.com/office/drawing/2014/main" id="{3B7900CF-CBBB-4F79-9EB7-ABE6952895DA}"/>
+                  <a16:creationId xmlns:a16="http://schemas.microsoft.com/office/drawing/2014/main" xmlns="" id="{3B7900CF-CBBB-4F79-9EB7-ABE6952895DA}"/>
                 </a:ext>
               </a:extLst>
             </p:cNvPr>
@@ -7333,7 +7644,7 @@
             <p:nvPr>
               <p:extLst>
                 <p:ext uri="{D42A27DB-BD31-4B8C-83A1-F6EECF244321}">
-                  <p14:modId xmlns:p14="http://schemas.microsoft.com/office/powerpoint/2010/main" val="1390600802"/>
+                  <p14:modId xmlns:p14="http://schemas.microsoft.com/office/powerpoint/2010/main" val="3795442115"/>
                 </p:ext>
               </p:extLst>
             </p:nvPr>
@@ -7353,7 +7664,7 @@
             <p:cNvPr id="4" name="Left Brace 3">
               <a:extLst>
                 <a:ext uri="{FF2B5EF4-FFF2-40B4-BE49-F238E27FC236}">
-                  <a16:creationId xmlns:a16="http://schemas.microsoft.com/office/drawing/2014/main" id="{B32C1C34-B103-45A6-B139-6F4069350985}"/>
+                  <a16:creationId xmlns:a16="http://schemas.microsoft.com/office/drawing/2014/main" xmlns="" id="{B32C1C34-B103-45A6-B139-6F4069350985}"/>
                 </a:ext>
               </a:extLst>
             </p:cNvPr>
@@ -7401,7 +7712,7 @@
             <p:cNvPr id="5" name="TextBox 4">
               <a:extLst>
                 <a:ext uri="{FF2B5EF4-FFF2-40B4-BE49-F238E27FC236}">
-                  <a16:creationId xmlns:a16="http://schemas.microsoft.com/office/drawing/2014/main" id="{B43EDB49-659C-4042-BF23-395DECA49904}"/>
+                  <a16:creationId xmlns:a16="http://schemas.microsoft.com/office/drawing/2014/main" xmlns="" id="{B43EDB49-659C-4042-BF23-395DECA49904}"/>
                 </a:ext>
               </a:extLst>
             </p:cNvPr>
@@ -7437,7 +7748,7 @@
           <p:cNvPr id="9" name="Table 8">
             <a:extLst>
               <a:ext uri="{FF2B5EF4-FFF2-40B4-BE49-F238E27FC236}">
-                <a16:creationId xmlns:a16="http://schemas.microsoft.com/office/drawing/2014/main" id="{B35C033E-0944-4061-8879-4CDC2006189A}"/>
+                <a16:creationId xmlns:a16="http://schemas.microsoft.com/office/drawing/2014/main" xmlns="" id="{B35C033E-0944-4061-8879-4CDC2006189A}"/>
               </a:ext>
             </a:extLst>
           </p:cNvPr>
@@ -7466,28 +7777,28 @@
                 <a:gridCol w="2376264">
                   <a:extLst>
                     <a:ext uri="{9D8B030D-6E8A-4147-A177-3AD203B41FA5}">
-                      <a16:colId xmlns:a16="http://schemas.microsoft.com/office/drawing/2014/main" val="2652033934"/>
+                      <a16:colId xmlns:a16="http://schemas.microsoft.com/office/drawing/2014/main" xmlns="" val="2652033934"/>
                     </a:ext>
                   </a:extLst>
                 </a:gridCol>
                 <a:gridCol w="2664296">
                   <a:extLst>
                     <a:ext uri="{9D8B030D-6E8A-4147-A177-3AD203B41FA5}">
-                      <a16:colId xmlns:a16="http://schemas.microsoft.com/office/drawing/2014/main" val="3250210333"/>
+                      <a16:colId xmlns:a16="http://schemas.microsoft.com/office/drawing/2014/main" xmlns="" val="3250210333"/>
                     </a:ext>
                   </a:extLst>
                 </a:gridCol>
                 <a:gridCol w="2880320">
                   <a:extLst>
                     <a:ext uri="{9D8B030D-6E8A-4147-A177-3AD203B41FA5}">
-                      <a16:colId xmlns:a16="http://schemas.microsoft.com/office/drawing/2014/main" val="2532876788"/>
+                      <a16:colId xmlns:a16="http://schemas.microsoft.com/office/drawing/2014/main" xmlns="" val="2532876788"/>
                     </a:ext>
                   </a:extLst>
                 </a:gridCol>
                 <a:gridCol w="2808312">
                   <a:extLst>
                     <a:ext uri="{9D8B030D-6E8A-4147-A177-3AD203B41FA5}">
-                      <a16:colId xmlns:a16="http://schemas.microsoft.com/office/drawing/2014/main" val="1344083932"/>
+                      <a16:colId xmlns:a16="http://schemas.microsoft.com/office/drawing/2014/main" xmlns="" val="1344083932"/>
                     </a:ext>
                   </a:extLst>
                 </a:gridCol>
@@ -7551,7 +7862,7 @@
                 </a:tc>
                 <a:extLst>
                   <a:ext uri="{0D108BD9-81ED-4DB2-BD59-A6C34878D82A}">
-                    <a16:rowId xmlns:a16="http://schemas.microsoft.com/office/drawing/2014/main" val="1041049590"/>
+                    <a16:rowId xmlns:a16="http://schemas.microsoft.com/office/drawing/2014/main" xmlns="" val="1041049590"/>
                   </a:ext>
                 </a:extLst>
               </a:tr>
@@ -7614,7 +7925,7 @@
                 </a:tc>
                 <a:extLst>
                   <a:ext uri="{0D108BD9-81ED-4DB2-BD59-A6C34878D82A}">
-                    <a16:rowId xmlns:a16="http://schemas.microsoft.com/office/drawing/2014/main" val="3405877733"/>
+                    <a16:rowId xmlns:a16="http://schemas.microsoft.com/office/drawing/2014/main" xmlns="" val="3405877733"/>
                   </a:ext>
                 </a:extLst>
               </a:tr>
@@ -7677,7 +7988,7 @@
                 </a:tc>
                 <a:extLst>
                   <a:ext uri="{0D108BD9-81ED-4DB2-BD59-A6C34878D82A}">
-                    <a16:rowId xmlns:a16="http://schemas.microsoft.com/office/drawing/2014/main" val="2408544362"/>
+                    <a16:rowId xmlns:a16="http://schemas.microsoft.com/office/drawing/2014/main" xmlns="" val="2408544362"/>
                   </a:ext>
                 </a:extLst>
               </a:tr>
@@ -7740,7 +8051,7 @@
                 </a:tc>
                 <a:extLst>
                   <a:ext uri="{0D108BD9-81ED-4DB2-BD59-A6C34878D82A}">
-                    <a16:rowId xmlns:a16="http://schemas.microsoft.com/office/drawing/2014/main" val="2544319543"/>
+                    <a16:rowId xmlns:a16="http://schemas.microsoft.com/office/drawing/2014/main" xmlns="" val="2544319543"/>
                   </a:ext>
                 </a:extLst>
               </a:tr>
@@ -7803,7 +8114,7 @@
                 </a:tc>
                 <a:extLst>
                   <a:ext uri="{0D108BD9-81ED-4DB2-BD59-A6C34878D82A}">
-                    <a16:rowId xmlns:a16="http://schemas.microsoft.com/office/drawing/2014/main" val="1437730924"/>
+                    <a16:rowId xmlns:a16="http://schemas.microsoft.com/office/drawing/2014/main" xmlns="" val="1437730924"/>
                   </a:ext>
                 </a:extLst>
               </a:tr>
@@ -7816,7 +8127,7 @@
           <p:cNvPr id="31" name="Text Box 6">
             <a:extLst>
               <a:ext uri="{FF2B5EF4-FFF2-40B4-BE49-F238E27FC236}">
-                <a16:creationId xmlns:a16="http://schemas.microsoft.com/office/drawing/2014/main" id="{9B40E76A-3639-4933-89D8-BB7C96E567B1}"/>
+                <a16:creationId xmlns:a16="http://schemas.microsoft.com/office/drawing/2014/main" xmlns="" id="{9B40E76A-3639-4933-89D8-BB7C96E567B1}"/>
               </a:ext>
             </a:extLst>
           </p:cNvPr>
@@ -7850,7 +8161,15 @@
             <a:pPr algn="just"/>
             <a:r>
               <a:rPr lang="en-US" sz="3600" dirty="0"/>
-              <a:t>[1] Li Jiang, et al., Phys. Med. Biol. 56 (2011). 187–202 </a:t>
+              <a:t>[1] Li Jiang, et al., </a:t>
+            </a:r>
+            <a:r>
+              <a:rPr lang="en-US" sz="3600" i="1" dirty="0"/>
+              <a:t>Phys. Med. Biol.</a:t>
+            </a:r>
+            <a:r>
+              <a:rPr lang="en-US" sz="3600" dirty="0"/>
+              <a:t> 56 (2011). 187–202 </a:t>
             </a:r>
           </a:p>
           <a:p>
@@ -7875,7 +8194,7 @@
           <p:cNvPr id="43" name="Text Box 6">
             <a:extLst>
               <a:ext uri="{FF2B5EF4-FFF2-40B4-BE49-F238E27FC236}">
-                <a16:creationId xmlns:a16="http://schemas.microsoft.com/office/drawing/2014/main" id="{432A8198-770E-4153-8A02-64459E08022D}"/>
+                <a16:creationId xmlns:a16="http://schemas.microsoft.com/office/drawing/2014/main" xmlns="" id="{432A8198-770E-4153-8A02-64459E08022D}"/>
               </a:ext>
             </a:extLst>
           </p:cNvPr>
@@ -7927,7 +8246,7 @@
           <p:cNvPr id="44" name="Text Box 6">
             <a:extLst>
               <a:ext uri="{FF2B5EF4-FFF2-40B4-BE49-F238E27FC236}">
-                <a16:creationId xmlns:a16="http://schemas.microsoft.com/office/drawing/2014/main" id="{84A17E19-7E7C-42E0-8DCE-89EA8AB01309}"/>
+                <a16:creationId xmlns:a16="http://schemas.microsoft.com/office/drawing/2014/main" xmlns="" id="{84A17E19-7E7C-42E0-8DCE-89EA8AB01309}"/>
               </a:ext>
             </a:extLst>
           </p:cNvPr>
@@ -7979,7 +8298,7 @@
           <p:cNvPr id="25" name="Group 24">
             <a:extLst>
               <a:ext uri="{FF2B5EF4-FFF2-40B4-BE49-F238E27FC236}">
-                <a16:creationId xmlns:a16="http://schemas.microsoft.com/office/drawing/2014/main" id="{39DA0A83-072E-459E-BA46-919A21211B90}"/>
+                <a16:creationId xmlns:a16="http://schemas.microsoft.com/office/drawing/2014/main" xmlns="" id="{39DA0A83-072E-459E-BA46-919A21211B90}"/>
               </a:ext>
             </a:extLst>
           </p:cNvPr>
@@ -7999,7 +8318,7 @@
             <p:cNvPr id="11" name="Picture 10">
               <a:extLst>
                 <a:ext uri="{FF2B5EF4-FFF2-40B4-BE49-F238E27FC236}">
-                  <a16:creationId xmlns:a16="http://schemas.microsoft.com/office/drawing/2014/main" id="{CD21346B-EEE6-4A3C-83B7-EE2633E99678}"/>
+                  <a16:creationId xmlns:a16="http://schemas.microsoft.com/office/drawing/2014/main" xmlns="" id="{CD21346B-EEE6-4A3C-83B7-EE2633E99678}"/>
                 </a:ext>
               </a:extLst>
             </p:cNvPr>
@@ -8028,7 +8347,7 @@
             <p:cNvPr id="14" name="Picture 13" descr="A close up of a logo&#10;&#10;Description generated with high confidence">
               <a:extLst>
                 <a:ext uri="{FF2B5EF4-FFF2-40B4-BE49-F238E27FC236}">
-                  <a16:creationId xmlns:a16="http://schemas.microsoft.com/office/drawing/2014/main" id="{E160E72E-A03B-4354-85C9-6BDEA4EAFA80}"/>
+                  <a16:creationId xmlns:a16="http://schemas.microsoft.com/office/drawing/2014/main" xmlns="" id="{E160E72E-A03B-4354-85C9-6BDEA4EAFA80}"/>
                 </a:ext>
               </a:extLst>
             </p:cNvPr>
@@ -8057,7 +8376,7 @@
             <p:cNvPr id="16" name="Picture 15" descr="A close up of a logo&#10;&#10;Description generated with very high confidence">
               <a:extLst>
                 <a:ext uri="{FF2B5EF4-FFF2-40B4-BE49-F238E27FC236}">
-                  <a16:creationId xmlns:a16="http://schemas.microsoft.com/office/drawing/2014/main" id="{5607CDC1-1E9B-4C2E-983D-545DEFD8D30C}"/>
+                  <a16:creationId xmlns:a16="http://schemas.microsoft.com/office/drawing/2014/main" xmlns="" id="{5607CDC1-1E9B-4C2E-983D-545DEFD8D30C}"/>
                 </a:ext>
               </a:extLst>
             </p:cNvPr>
@@ -8086,7 +8405,7 @@
             <p:cNvPr id="22" name="Picture 21">
               <a:extLst>
                 <a:ext uri="{FF2B5EF4-FFF2-40B4-BE49-F238E27FC236}">
-                  <a16:creationId xmlns:a16="http://schemas.microsoft.com/office/drawing/2014/main" id="{6AD8D44A-EAA1-48D6-B998-7C5EE939BBDD}"/>
+                  <a16:creationId xmlns:a16="http://schemas.microsoft.com/office/drawing/2014/main" xmlns="" id="{6AD8D44A-EAA1-48D6-B998-7C5EE939BBDD}"/>
                 </a:ext>
               </a:extLst>
             </p:cNvPr>
@@ -8115,7 +8434,7 @@
             <p:cNvPr id="45" name="Text Box 6">
               <a:extLst>
                 <a:ext uri="{FF2B5EF4-FFF2-40B4-BE49-F238E27FC236}">
-                  <a16:creationId xmlns:a16="http://schemas.microsoft.com/office/drawing/2014/main" id="{C84E32DA-FA4C-4C88-9551-8DEC2B4AAD91}"/>
+                  <a16:creationId xmlns:a16="http://schemas.microsoft.com/office/drawing/2014/main" xmlns="" id="{C84E32DA-FA4C-4C88-9551-8DEC2B4AAD91}"/>
                 </a:ext>
               </a:extLst>
             </p:cNvPr>
@@ -8159,7 +8478,7 @@
             <p:cNvPr id="46" name="Text Box 6">
               <a:extLst>
                 <a:ext uri="{FF2B5EF4-FFF2-40B4-BE49-F238E27FC236}">
-                  <a16:creationId xmlns:a16="http://schemas.microsoft.com/office/drawing/2014/main" id="{01160D25-8BFA-439E-81EF-FD62A821E683}"/>
+                  <a16:creationId xmlns:a16="http://schemas.microsoft.com/office/drawing/2014/main" xmlns="" id="{01160D25-8BFA-439E-81EF-FD62A821E683}"/>
                 </a:ext>
               </a:extLst>
             </p:cNvPr>
@@ -8203,7 +8522,7 @@
             <p:cNvPr id="47" name="Text Box 6">
               <a:extLst>
                 <a:ext uri="{FF2B5EF4-FFF2-40B4-BE49-F238E27FC236}">
-                  <a16:creationId xmlns:a16="http://schemas.microsoft.com/office/drawing/2014/main" id="{DAAE1351-0049-4599-AD4B-84E14F7B2993}"/>
+                  <a16:creationId xmlns:a16="http://schemas.microsoft.com/office/drawing/2014/main" xmlns="" id="{DAAE1351-0049-4599-AD4B-84E14F7B2993}"/>
                 </a:ext>
               </a:extLst>
             </p:cNvPr>
@@ -8247,7 +8566,7 @@
             <p:cNvPr id="48" name="Text Box 6">
               <a:extLst>
                 <a:ext uri="{FF2B5EF4-FFF2-40B4-BE49-F238E27FC236}">
-                  <a16:creationId xmlns:a16="http://schemas.microsoft.com/office/drawing/2014/main" id="{48C0E23A-FF50-4458-B7D9-117803CFEE0E}"/>
+                  <a16:creationId xmlns:a16="http://schemas.microsoft.com/office/drawing/2014/main" xmlns="" id="{48C0E23A-FF50-4458-B7D9-117803CFEE0E}"/>
                 </a:ext>
               </a:extLst>
             </p:cNvPr>
@@ -8292,7 +8611,7 @@
           <p:cNvPr id="50" name="Text Box 6">
             <a:extLst>
               <a:ext uri="{FF2B5EF4-FFF2-40B4-BE49-F238E27FC236}">
-                <a16:creationId xmlns:a16="http://schemas.microsoft.com/office/drawing/2014/main" id="{46E1C1FF-8E94-41D8-A99F-C1D0679CDD17}"/>
+                <a16:creationId xmlns:a16="http://schemas.microsoft.com/office/drawing/2014/main" xmlns="" id="{46E1C1FF-8E94-41D8-A99F-C1D0679CDD17}"/>
               </a:ext>
             </a:extLst>
           </p:cNvPr>
@@ -8344,7 +8663,7 @@
           <p:cNvPr id="51" name="Text Box 6">
             <a:extLst>
               <a:ext uri="{FF2B5EF4-FFF2-40B4-BE49-F238E27FC236}">
-                <a16:creationId xmlns:a16="http://schemas.microsoft.com/office/drawing/2014/main" id="{1F4807A6-35C9-4555-8CFD-CCA4C495A902}"/>
+                <a16:creationId xmlns:a16="http://schemas.microsoft.com/office/drawing/2014/main" xmlns="" id="{1F4807A6-35C9-4555-8CFD-CCA4C495A902}"/>
               </a:ext>
             </a:extLst>
           </p:cNvPr>
@@ -8382,8 +8701,245 @@
             </a:r>
             <a:r>
               <a:rPr lang="en-US" altLang="zh-CN" sz="2200" dirty="0"/>
-              <a:t>Initial and Final Number of Clusters for Each Patient: The percent reduced was over 90% for all patients</a:t>
-            </a:r>
+              <a:t>Initial and Final Number of Clusters for Each Patient: The </a:t>
+            </a:r>
+            <a:r>
+              <a:rPr lang="en-US" altLang="zh-CN" sz="2200" dirty="0" smtClean="0"/>
+              <a:t>reduction </a:t>
+            </a:r>
+            <a:r>
+              <a:rPr lang="en-US" altLang="zh-CN" sz="2200" dirty="0"/>
+              <a:t>was over 90% for all patients</a:t>
+            </a:r>
+          </a:p>
+        </p:txBody>
+      </p:sp>
+      <p:sp>
+        <p:nvSpPr>
+          <p:cNvPr id="7" name="TextBox 6"/>
+          <p:cNvSpPr txBox="1"/>
+          <p:nvPr/>
+        </p:nvSpPr>
+        <p:spPr>
+          <a:xfrm>
+            <a:off x="9545416" y="3522654"/>
+            <a:ext cx="31251472" cy="2862322"/>
+          </a:xfrm>
+          <a:prstGeom prst="rect">
+            <a:avLst/>
+          </a:prstGeom>
+          <a:noFill/>
+        </p:spPr>
+        <p:txBody>
+          <a:bodyPr wrap="square" rtlCol="0">
+            <a:spAutoFit/>
+          </a:bodyPr>
+          <a:lstStyle/>
+          <a:p>
+            <a:r>
+              <a:rPr lang="en-US" altLang="zh-CN" sz="6000" b="1" dirty="0">
+                <a:solidFill>
+                  <a:schemeClr val="bg1"/>
+                </a:solidFill>
+              </a:rPr>
+              <a:t> </a:t>
+            </a:r>
+            <a:r>
+              <a:rPr lang="en-US" altLang="zh-CN" sz="6000" b="1" i="1" baseline="30000" dirty="0" smtClean="0">
+                <a:solidFill>
+                  <a:schemeClr val="bg1"/>
+                </a:solidFill>
+              </a:rPr>
+              <a:t>1</a:t>
+            </a:r>
+            <a:r>
+              <a:rPr lang="en-US" altLang="zh-CN" sz="6000" b="1" i="1" dirty="0" smtClean="0">
+                <a:solidFill>
+                  <a:schemeClr val="bg1"/>
+                </a:solidFill>
+              </a:rPr>
+              <a:t>Dept</a:t>
+            </a:r>
+            <a:r>
+              <a:rPr lang="en-US" altLang="zh-CN" sz="6000" b="1" i="1" dirty="0">
+                <a:solidFill>
+                  <a:schemeClr val="bg1"/>
+                </a:solidFill>
+              </a:rPr>
+              <a:t>. of Biomedical Engineering - George Washington Univ</a:t>
+            </a:r>
+            <a:r>
+              <a:rPr lang="en-US" altLang="zh-CN" sz="6000" b="1" i="1" dirty="0" smtClean="0">
+                <a:solidFill>
+                  <a:schemeClr val="bg1"/>
+                </a:solidFill>
+              </a:rPr>
+              <a:t>., Washington</a:t>
+            </a:r>
+            <a:r>
+              <a:rPr lang="en-US" altLang="zh-CN" sz="6000" b="1" i="1" dirty="0">
+                <a:solidFill>
+                  <a:schemeClr val="bg1"/>
+                </a:solidFill>
+              </a:rPr>
+              <a:t>, </a:t>
+            </a:r>
+            <a:r>
+              <a:rPr lang="en-US" altLang="zh-CN" sz="6000" b="1" i="1" dirty="0" smtClean="0">
+                <a:solidFill>
+                  <a:schemeClr val="bg1"/>
+                </a:solidFill>
+              </a:rPr>
+              <a:t>DC  </a:t>
+            </a:r>
+            <a:r>
+              <a:rPr lang="en-US" altLang="zh-CN" sz="6000" b="1" i="1" dirty="0">
+                <a:solidFill>
+                  <a:schemeClr val="bg1"/>
+                </a:solidFill>
+              </a:rPr>
+              <a:t>USA  </a:t>
+            </a:r>
+            <a:r>
+              <a:rPr lang="en-US" altLang="zh-CN" sz="6000" b="1" i="1" baseline="30000" dirty="0">
+                <a:solidFill>
+                  <a:schemeClr val="bg1"/>
+                </a:solidFill>
+              </a:rPr>
+              <a:t>2 </a:t>
+            </a:r>
+            <a:r>
+              <a:rPr lang="en-US" altLang="zh-CN" sz="6000" b="1" i="1" dirty="0" smtClean="0">
+                <a:solidFill>
+                  <a:schemeClr val="bg1"/>
+                </a:solidFill>
+              </a:rPr>
+              <a:t>Dept</a:t>
+            </a:r>
+            <a:r>
+              <a:rPr lang="en-US" altLang="zh-CN" sz="6000" b="1" i="1" dirty="0">
+                <a:solidFill>
+                  <a:schemeClr val="bg1"/>
+                </a:solidFill>
+              </a:rPr>
+              <a:t>. of Biomedical Engineering - Pennsylvania State Univ., State College, </a:t>
+            </a:r>
+            <a:r>
+              <a:rPr lang="en-US" altLang="zh-CN" sz="6000" b="1" i="1" dirty="0" smtClean="0">
+                <a:solidFill>
+                  <a:schemeClr val="bg1"/>
+                </a:solidFill>
+              </a:rPr>
+              <a:t>PA USA</a:t>
+            </a:r>
+            <a:r>
+              <a:rPr lang="en-US" altLang="zh-CN" sz="6000" b="1" i="1" dirty="0">
+                <a:solidFill>
+                  <a:schemeClr val="bg1"/>
+                </a:solidFill>
+              </a:rPr>
+              <a:t/>
+            </a:r>
+            <a:br>
+              <a:rPr lang="en-US" altLang="zh-CN" sz="6000" b="1" i="1" dirty="0">
+                <a:solidFill>
+                  <a:schemeClr val="bg1"/>
+                </a:solidFill>
+              </a:rPr>
+            </a:br>
+            <a:endParaRPr lang="en-US" sz="6000" dirty="0"/>
+          </a:p>
+        </p:txBody>
+      </p:sp>
+      <p:sp>
+        <p:nvSpPr>
+          <p:cNvPr id="10" name="Rectangle 9"/>
+          <p:cNvSpPr/>
+          <p:nvPr/>
+        </p:nvSpPr>
+        <p:spPr>
+          <a:xfrm>
+            <a:off x="10481520" y="27843360"/>
+            <a:ext cx="288032" cy="364364"/>
+          </a:xfrm>
+          <a:prstGeom prst="rect">
+            <a:avLst/>
+          </a:prstGeom>
+          <a:noFill/>
+          <a:ln w="57150">
+            <a:solidFill>
+              <a:schemeClr val="accent6"/>
+            </a:solidFill>
+          </a:ln>
+        </p:spPr>
+        <p:style>
+          <a:lnRef idx="2">
+            <a:schemeClr val="accent1">
+              <a:shade val="50000"/>
+            </a:schemeClr>
+          </a:lnRef>
+          <a:fillRef idx="1">
+            <a:schemeClr val="accent1"/>
+          </a:fillRef>
+          <a:effectRef idx="0">
+            <a:schemeClr val="accent1"/>
+          </a:effectRef>
+          <a:fontRef idx="minor">
+            <a:schemeClr val="lt1"/>
+          </a:fontRef>
+        </p:style>
+        <p:txBody>
+          <a:bodyPr rtlCol="0" anchor="ctr"/>
+          <a:lstStyle/>
+          <a:p>
+            <a:pPr algn="ctr"/>
+            <a:endParaRPr lang="en-US"/>
+          </a:p>
+        </p:txBody>
+      </p:sp>
+      <p:sp>
+        <p:nvSpPr>
+          <p:cNvPr id="13" name="Rectangle 12"/>
+          <p:cNvSpPr/>
+          <p:nvPr/>
+        </p:nvSpPr>
+        <p:spPr>
+          <a:xfrm>
+            <a:off x="2632648" y="28053664"/>
+            <a:ext cx="301752" cy="347472"/>
+          </a:xfrm>
+          <a:prstGeom prst="rect">
+            <a:avLst/>
+          </a:prstGeom>
+          <a:noFill/>
+          <a:ln w="38100">
+            <a:solidFill>
+              <a:srgbClr val="FF0000"/>
+            </a:solidFill>
+          </a:ln>
+        </p:spPr>
+        <p:style>
+          <a:lnRef idx="2">
+            <a:schemeClr val="accent1">
+              <a:shade val="50000"/>
+            </a:schemeClr>
+          </a:lnRef>
+          <a:fillRef idx="1">
+            <a:schemeClr val="accent1"/>
+          </a:fillRef>
+          <a:effectRef idx="0">
+            <a:schemeClr val="accent1"/>
+          </a:effectRef>
+          <a:fontRef idx="minor">
+            <a:schemeClr val="lt1"/>
+          </a:fontRef>
+        </p:style>
+        <p:txBody>
+          <a:bodyPr rtlCol="0" anchor="ctr"/>
+          <a:lstStyle/>
+          <a:p>
+            <a:pPr algn="ctr"/>
+            <a:endParaRPr lang="en-US" dirty="0"/>
           </a:p>
         </p:txBody>
       </p:sp>
@@ -8392,6 +8948,13 @@
   <p:clrMapOvr>
     <a:masterClrMapping/>
   </p:clrMapOvr>
+  <p:timing>
+    <p:tnLst>
+      <p:par>
+        <p:cTn id="1" dur="indefinite" restart="never" nodeType="tmRoot"/>
+      </p:par>
+    </p:tnLst>
+  </p:timing>
 </p:sld>
 </file>
 
